--- a/Semester Project Presentation V2.pptx
+++ b/Semester Project Presentation V2.pptx
@@ -4,20 +4,21 @@
   <p:sldMasterIdLst>
     <p:sldMasterId id="2147483828" r:id="rId1"/>
   </p:sldMasterIdLst>
+  <p:notesMasterIdLst>
+    <p:notesMasterId r:id="rId13"/>
+  </p:notesMasterIdLst>
   <p:sldIdLst>
     <p:sldId id="256" r:id="rId2"/>
     <p:sldId id="257" r:id="rId3"/>
     <p:sldId id="258" r:id="rId4"/>
-    <p:sldId id="259" r:id="rId5"/>
-    <p:sldId id="260" r:id="rId6"/>
-    <p:sldId id="264" r:id="rId7"/>
-    <p:sldId id="266" r:id="rId8"/>
-    <p:sldId id="268" r:id="rId9"/>
-    <p:sldId id="261" r:id="rId10"/>
+    <p:sldId id="269" r:id="rId5"/>
+    <p:sldId id="259" r:id="rId6"/>
+    <p:sldId id="260" r:id="rId7"/>
+    <p:sldId id="268" r:id="rId8"/>
+    <p:sldId id="264" r:id="rId9"/>
+    <p:sldId id="270" r:id="rId10"/>
     <p:sldId id="262" r:id="rId11"/>
-    <p:sldId id="263" r:id="rId12"/>
-    <p:sldId id="265" r:id="rId13"/>
-    <p:sldId id="267" r:id="rId14"/>
+    <p:sldId id="265" r:id="rId12"/>
   </p:sldIdLst>
   <p:sldSz cx="12192000" cy="6858000"/>
   <p:notesSz cx="6858000" cy="9144000"/>
@@ -124,6 +125,439 @@
 </p:presentation>
 </file>
 
+<file path=ppt/notesMasters/notesMaster1.xml><?xml version="1.0" encoding="utf-8"?>
+<p:notesMaster xmlns:a="http://schemas.openxmlformats.org/drawingml/2006/main" xmlns:r="http://schemas.openxmlformats.org/officeDocument/2006/relationships" xmlns:p="http://schemas.openxmlformats.org/presentationml/2006/main">
+  <p:cSld>
+    <p:bg>
+      <p:bgRef idx="1001">
+        <a:schemeClr val="bg1"/>
+      </p:bgRef>
+    </p:bg>
+    <p:spTree>
+      <p:nvGrpSpPr>
+        <p:cNvPr id="1" name=""/>
+        <p:cNvGrpSpPr/>
+        <p:nvPr/>
+      </p:nvGrpSpPr>
+      <p:grpSpPr>
+        <a:xfrm>
+          <a:off x="0" y="0"/>
+          <a:ext cx="0" cy="0"/>
+          <a:chOff x="0" y="0"/>
+          <a:chExt cx="0" cy="0"/>
+        </a:xfrm>
+      </p:grpSpPr>
+      <p:sp>
+        <p:nvSpPr>
+          <p:cNvPr id="2" name="Header Placeholder 1"/>
+          <p:cNvSpPr>
+            <a:spLocks noGrp="1"/>
+          </p:cNvSpPr>
+          <p:nvPr>
+            <p:ph type="hdr" sz="quarter"/>
+          </p:nvPr>
+        </p:nvSpPr>
+        <p:spPr>
+          <a:xfrm>
+            <a:off x="0" y="0"/>
+            <a:ext cx="2971800" cy="458788"/>
+          </a:xfrm>
+          <a:prstGeom prst="rect">
+            <a:avLst/>
+          </a:prstGeom>
+        </p:spPr>
+        <p:txBody>
+          <a:bodyPr vert="horz" lIns="91440" tIns="45720" rIns="91440" bIns="45720" rtlCol="0"/>
+          <a:lstStyle>
+            <a:lvl1pPr algn="l">
+              <a:defRPr sz="1200"/>
+            </a:lvl1pPr>
+          </a:lstStyle>
+          <a:p>
+            <a:endParaRPr lang="en-US"/>
+          </a:p>
+        </p:txBody>
+      </p:sp>
+      <p:sp>
+        <p:nvSpPr>
+          <p:cNvPr id="3" name="Date Placeholder 2"/>
+          <p:cNvSpPr>
+            <a:spLocks noGrp="1"/>
+          </p:cNvSpPr>
+          <p:nvPr>
+            <p:ph type="dt" idx="1"/>
+          </p:nvPr>
+        </p:nvSpPr>
+        <p:spPr>
+          <a:xfrm>
+            <a:off x="3884613" y="0"/>
+            <a:ext cx="2971800" cy="458788"/>
+          </a:xfrm>
+          <a:prstGeom prst="rect">
+            <a:avLst/>
+          </a:prstGeom>
+        </p:spPr>
+        <p:txBody>
+          <a:bodyPr vert="horz" lIns="91440" tIns="45720" rIns="91440" bIns="45720" rtlCol="0"/>
+          <a:lstStyle>
+            <a:lvl1pPr algn="r">
+              <a:defRPr sz="1200"/>
+            </a:lvl1pPr>
+          </a:lstStyle>
+          <a:p>
+            <a:fld id="{2EF9C14D-81E4-7E49-814B-8393DBDA9C2B}" type="datetimeFigureOut">
+              <a:rPr lang="en-US" smtClean="0"/>
+              <a:t>9/6/21</a:t>
+            </a:fld>
+            <a:endParaRPr lang="en-US"/>
+          </a:p>
+        </p:txBody>
+      </p:sp>
+      <p:sp>
+        <p:nvSpPr>
+          <p:cNvPr id="4" name="Slide Image Placeholder 3"/>
+          <p:cNvSpPr>
+            <a:spLocks noGrp="1" noRot="1" noChangeAspect="1"/>
+          </p:cNvSpPr>
+          <p:nvPr>
+            <p:ph type="sldImg" idx="2"/>
+          </p:nvPr>
+        </p:nvSpPr>
+        <p:spPr>
+          <a:xfrm>
+            <a:off x="685800" y="1143000"/>
+            <a:ext cx="5486400" cy="3086100"/>
+          </a:xfrm>
+          <a:prstGeom prst="rect">
+            <a:avLst/>
+          </a:prstGeom>
+          <a:noFill/>
+          <a:ln w="12700">
+            <a:solidFill>
+              <a:prstClr val="black"/>
+            </a:solidFill>
+          </a:ln>
+        </p:spPr>
+        <p:txBody>
+          <a:bodyPr vert="horz" lIns="91440" tIns="45720" rIns="91440" bIns="45720" rtlCol="0" anchor="ctr"/>
+          <a:lstStyle/>
+          <a:p>
+            <a:endParaRPr lang="en-US"/>
+          </a:p>
+        </p:txBody>
+      </p:sp>
+      <p:sp>
+        <p:nvSpPr>
+          <p:cNvPr id="5" name="Notes Placeholder 4"/>
+          <p:cNvSpPr>
+            <a:spLocks noGrp="1"/>
+          </p:cNvSpPr>
+          <p:nvPr>
+            <p:ph type="body" sz="quarter" idx="3"/>
+          </p:nvPr>
+        </p:nvSpPr>
+        <p:spPr>
+          <a:xfrm>
+            <a:off x="685800" y="4400550"/>
+            <a:ext cx="5486400" cy="3600450"/>
+          </a:xfrm>
+          <a:prstGeom prst="rect">
+            <a:avLst/>
+          </a:prstGeom>
+        </p:spPr>
+        <p:txBody>
+          <a:bodyPr vert="horz" lIns="91440" tIns="45720" rIns="91440" bIns="45720" rtlCol="0"/>
+          <a:lstStyle/>
+          <a:p>
+            <a:pPr lvl="0"/>
+            <a:r>
+              <a:rPr lang="en-US"/>
+              <a:t>Click to edit Master text styles</a:t>
+            </a:r>
+          </a:p>
+          <a:p>
+            <a:pPr lvl="1"/>
+            <a:r>
+              <a:rPr lang="en-US"/>
+              <a:t>Second level</a:t>
+            </a:r>
+          </a:p>
+          <a:p>
+            <a:pPr lvl="2"/>
+            <a:r>
+              <a:rPr lang="en-US"/>
+              <a:t>Third level</a:t>
+            </a:r>
+          </a:p>
+          <a:p>
+            <a:pPr lvl="3"/>
+            <a:r>
+              <a:rPr lang="en-US"/>
+              <a:t>Fourth level</a:t>
+            </a:r>
+          </a:p>
+          <a:p>
+            <a:pPr lvl="4"/>
+            <a:r>
+              <a:rPr lang="en-US"/>
+              <a:t>Fifth level</a:t>
+            </a:r>
+          </a:p>
+        </p:txBody>
+      </p:sp>
+      <p:sp>
+        <p:nvSpPr>
+          <p:cNvPr id="6" name="Footer Placeholder 5"/>
+          <p:cNvSpPr>
+            <a:spLocks noGrp="1"/>
+          </p:cNvSpPr>
+          <p:nvPr>
+            <p:ph type="ftr" sz="quarter" idx="4"/>
+          </p:nvPr>
+        </p:nvSpPr>
+        <p:spPr>
+          <a:xfrm>
+            <a:off x="0" y="8685213"/>
+            <a:ext cx="2971800" cy="458787"/>
+          </a:xfrm>
+          <a:prstGeom prst="rect">
+            <a:avLst/>
+          </a:prstGeom>
+        </p:spPr>
+        <p:txBody>
+          <a:bodyPr vert="horz" lIns="91440" tIns="45720" rIns="91440" bIns="45720" rtlCol="0" anchor="b"/>
+          <a:lstStyle>
+            <a:lvl1pPr algn="l">
+              <a:defRPr sz="1200"/>
+            </a:lvl1pPr>
+          </a:lstStyle>
+          <a:p>
+            <a:endParaRPr lang="en-US"/>
+          </a:p>
+        </p:txBody>
+      </p:sp>
+      <p:sp>
+        <p:nvSpPr>
+          <p:cNvPr id="7" name="Slide Number Placeholder 6"/>
+          <p:cNvSpPr>
+            <a:spLocks noGrp="1"/>
+          </p:cNvSpPr>
+          <p:nvPr>
+            <p:ph type="sldNum" sz="quarter" idx="5"/>
+          </p:nvPr>
+        </p:nvSpPr>
+        <p:spPr>
+          <a:xfrm>
+            <a:off x="3884613" y="8685213"/>
+            <a:ext cx="2971800" cy="458787"/>
+          </a:xfrm>
+          <a:prstGeom prst="rect">
+            <a:avLst/>
+          </a:prstGeom>
+        </p:spPr>
+        <p:txBody>
+          <a:bodyPr vert="horz" lIns="91440" tIns="45720" rIns="91440" bIns="45720" rtlCol="0" anchor="b"/>
+          <a:lstStyle>
+            <a:lvl1pPr algn="r">
+              <a:defRPr sz="1200"/>
+            </a:lvl1pPr>
+          </a:lstStyle>
+          <a:p>
+            <a:fld id="{DFD32B1A-1174-584B-91C9-00783AF2F07B}" type="slidenum">
+              <a:rPr lang="en-US" smtClean="0"/>
+              <a:t>‹#›</a:t>
+            </a:fld>
+            <a:endParaRPr lang="en-US"/>
+          </a:p>
+        </p:txBody>
+      </p:sp>
+    </p:spTree>
+    <p:extLst>
+      <p:ext uri="{BB962C8B-B14F-4D97-AF65-F5344CB8AC3E}">
+        <p14:creationId xmlns:p14="http://schemas.microsoft.com/office/powerpoint/2010/main" val="4266118516"/>
+      </p:ext>
+    </p:extLst>
+  </p:cSld>
+  <p:clrMap bg1="lt1" tx1="dk1" bg2="lt2" tx2="dk2" accent1="accent1" accent2="accent2" accent3="accent3" accent4="accent4" accent5="accent5" accent6="accent6" hlink="hlink" folHlink="folHlink"/>
+  <p:notesStyle>
+    <a:lvl1pPr marL="0" algn="l" defTabSz="914400" rtl="0" eaLnBrk="1" latinLnBrk="0" hangingPunct="1">
+      <a:defRPr sz="1200" kern="1200">
+        <a:solidFill>
+          <a:schemeClr val="tx1"/>
+        </a:solidFill>
+        <a:latin typeface="+mn-lt"/>
+        <a:ea typeface="+mn-ea"/>
+        <a:cs typeface="+mn-cs"/>
+      </a:defRPr>
+    </a:lvl1pPr>
+    <a:lvl2pPr marL="457200" algn="l" defTabSz="914400" rtl="0" eaLnBrk="1" latinLnBrk="0" hangingPunct="1">
+      <a:defRPr sz="1200" kern="1200">
+        <a:solidFill>
+          <a:schemeClr val="tx1"/>
+        </a:solidFill>
+        <a:latin typeface="+mn-lt"/>
+        <a:ea typeface="+mn-ea"/>
+        <a:cs typeface="+mn-cs"/>
+      </a:defRPr>
+    </a:lvl2pPr>
+    <a:lvl3pPr marL="914400" algn="l" defTabSz="914400" rtl="0" eaLnBrk="1" latinLnBrk="0" hangingPunct="1">
+      <a:defRPr sz="1200" kern="1200">
+        <a:solidFill>
+          <a:schemeClr val="tx1"/>
+        </a:solidFill>
+        <a:latin typeface="+mn-lt"/>
+        <a:ea typeface="+mn-ea"/>
+        <a:cs typeface="+mn-cs"/>
+      </a:defRPr>
+    </a:lvl3pPr>
+    <a:lvl4pPr marL="1371600" algn="l" defTabSz="914400" rtl="0" eaLnBrk="1" latinLnBrk="0" hangingPunct="1">
+      <a:defRPr sz="1200" kern="1200">
+        <a:solidFill>
+          <a:schemeClr val="tx1"/>
+        </a:solidFill>
+        <a:latin typeface="+mn-lt"/>
+        <a:ea typeface="+mn-ea"/>
+        <a:cs typeface="+mn-cs"/>
+      </a:defRPr>
+    </a:lvl4pPr>
+    <a:lvl5pPr marL="1828800" algn="l" defTabSz="914400" rtl="0" eaLnBrk="1" latinLnBrk="0" hangingPunct="1">
+      <a:defRPr sz="1200" kern="1200">
+        <a:solidFill>
+          <a:schemeClr val="tx1"/>
+        </a:solidFill>
+        <a:latin typeface="+mn-lt"/>
+        <a:ea typeface="+mn-ea"/>
+        <a:cs typeface="+mn-cs"/>
+      </a:defRPr>
+    </a:lvl5pPr>
+    <a:lvl6pPr marL="2286000" algn="l" defTabSz="914400" rtl="0" eaLnBrk="1" latinLnBrk="0" hangingPunct="1">
+      <a:defRPr sz="1200" kern="1200">
+        <a:solidFill>
+          <a:schemeClr val="tx1"/>
+        </a:solidFill>
+        <a:latin typeface="+mn-lt"/>
+        <a:ea typeface="+mn-ea"/>
+        <a:cs typeface="+mn-cs"/>
+      </a:defRPr>
+    </a:lvl6pPr>
+    <a:lvl7pPr marL="2743200" algn="l" defTabSz="914400" rtl="0" eaLnBrk="1" latinLnBrk="0" hangingPunct="1">
+      <a:defRPr sz="1200" kern="1200">
+        <a:solidFill>
+          <a:schemeClr val="tx1"/>
+        </a:solidFill>
+        <a:latin typeface="+mn-lt"/>
+        <a:ea typeface="+mn-ea"/>
+        <a:cs typeface="+mn-cs"/>
+      </a:defRPr>
+    </a:lvl7pPr>
+    <a:lvl8pPr marL="3200400" algn="l" defTabSz="914400" rtl="0" eaLnBrk="1" latinLnBrk="0" hangingPunct="1">
+      <a:defRPr sz="1200" kern="1200">
+        <a:solidFill>
+          <a:schemeClr val="tx1"/>
+        </a:solidFill>
+        <a:latin typeface="+mn-lt"/>
+        <a:ea typeface="+mn-ea"/>
+        <a:cs typeface="+mn-cs"/>
+      </a:defRPr>
+    </a:lvl8pPr>
+    <a:lvl9pPr marL="3657600" algn="l" defTabSz="914400" rtl="0" eaLnBrk="1" latinLnBrk="0" hangingPunct="1">
+      <a:defRPr sz="1200" kern="1200">
+        <a:solidFill>
+          <a:schemeClr val="tx1"/>
+        </a:solidFill>
+        <a:latin typeface="+mn-lt"/>
+        <a:ea typeface="+mn-ea"/>
+        <a:cs typeface="+mn-cs"/>
+      </a:defRPr>
+    </a:lvl9pPr>
+  </p:notesStyle>
+</p:notesMaster>
+</file>
+
+<file path=ppt/notesSlides/notesSlide1.xml><?xml version="1.0" encoding="utf-8"?>
+<p:notes xmlns:a="http://schemas.openxmlformats.org/drawingml/2006/main" xmlns:r="http://schemas.openxmlformats.org/officeDocument/2006/relationships" xmlns:p="http://schemas.openxmlformats.org/presentationml/2006/main">
+  <p:cSld>
+    <p:spTree>
+      <p:nvGrpSpPr>
+        <p:cNvPr id="1" name=""/>
+        <p:cNvGrpSpPr/>
+        <p:nvPr/>
+      </p:nvGrpSpPr>
+      <p:grpSpPr>
+        <a:xfrm>
+          <a:off x="0" y="0"/>
+          <a:ext cx="0" cy="0"/>
+          <a:chOff x="0" y="0"/>
+          <a:chExt cx="0" cy="0"/>
+        </a:xfrm>
+      </p:grpSpPr>
+      <p:sp>
+        <p:nvSpPr>
+          <p:cNvPr id="2" name="Slide Image Placeholder 1"/>
+          <p:cNvSpPr>
+            <a:spLocks noGrp="1" noRot="1" noChangeAspect="1"/>
+          </p:cNvSpPr>
+          <p:nvPr>
+            <p:ph type="sldImg"/>
+          </p:nvPr>
+        </p:nvSpPr>
+        <p:spPr/>
+      </p:sp>
+      <p:sp>
+        <p:nvSpPr>
+          <p:cNvPr id="3" name="Notes Placeholder 2"/>
+          <p:cNvSpPr>
+            <a:spLocks noGrp="1"/>
+          </p:cNvSpPr>
+          <p:nvPr>
+            <p:ph type="body" idx="1"/>
+          </p:nvPr>
+        </p:nvSpPr>
+        <p:spPr/>
+        <p:txBody>
+          <a:bodyPr/>
+          <a:lstStyle/>
+          <a:p>
+            <a:endParaRPr lang="en-US" dirty="0"/>
+          </a:p>
+        </p:txBody>
+      </p:sp>
+      <p:sp>
+        <p:nvSpPr>
+          <p:cNvPr id="4" name="Slide Number Placeholder 3"/>
+          <p:cNvSpPr>
+            <a:spLocks noGrp="1"/>
+          </p:cNvSpPr>
+          <p:nvPr>
+            <p:ph type="sldNum" sz="quarter" idx="5"/>
+          </p:nvPr>
+        </p:nvSpPr>
+        <p:spPr/>
+        <p:txBody>
+          <a:bodyPr/>
+          <a:lstStyle/>
+          <a:p>
+            <a:fld id="{DFD32B1A-1174-584B-91C9-00783AF2F07B}" type="slidenum">
+              <a:rPr lang="en-US" smtClean="0"/>
+              <a:t>3</a:t>
+            </a:fld>
+            <a:endParaRPr lang="en-US"/>
+          </a:p>
+        </p:txBody>
+      </p:sp>
+    </p:spTree>
+    <p:extLst>
+      <p:ext uri="{BB962C8B-B14F-4D97-AF65-F5344CB8AC3E}">
+        <p14:creationId xmlns:p14="http://schemas.microsoft.com/office/powerpoint/2010/main" val="118420454"/>
+      </p:ext>
+    </p:extLst>
+  </p:cSld>
+  <p:clrMapOvr>
+    <a:masterClrMapping/>
+  </p:clrMapOvr>
+</p:notes>
+</file>
+
 <file path=ppt/slideLayouts/slideLayout1.xml><?xml version="1.0" encoding="utf-8"?>
 <p:sldLayout xmlns:a="http://schemas.openxmlformats.org/drawingml/2006/main" xmlns:r="http://schemas.openxmlformats.org/officeDocument/2006/relationships" xmlns:p="http://schemas.openxmlformats.org/presentationml/2006/main" type="title" preserve="1">
   <p:cSld name="Title Slide">
@@ -287,7 +721,7 @@
           <a:p>
             <a:fld id="{6A4B53A7-3209-46A6-9454-F38EAC8F11E7}" type="datetimeFigureOut">
               <a:rPr lang="en-US" smtClean="0"/>
-              <a:t>2/8/21</a:t>
+              <a:t>9/5/21</a:t>
             </a:fld>
             <a:endParaRPr lang="en-US"/>
           </a:p>
@@ -457,7 +891,7 @@
           <a:p>
             <a:fld id="{6A4B53A7-3209-46A6-9454-F38EAC8F11E7}" type="datetimeFigureOut">
               <a:rPr lang="en-US" smtClean="0"/>
-              <a:t>2/8/21</a:t>
+              <a:t>9/5/21</a:t>
             </a:fld>
             <a:endParaRPr lang="en-US"/>
           </a:p>
@@ -637,7 +1071,7 @@
           <a:p>
             <a:fld id="{6A4B53A7-3209-46A6-9454-F38EAC8F11E7}" type="datetimeFigureOut">
               <a:rPr lang="en-US" smtClean="0"/>
-              <a:t>2/8/21</a:t>
+              <a:t>9/5/21</a:t>
             </a:fld>
             <a:endParaRPr lang="en-US"/>
           </a:p>
@@ -807,7 +1241,7 @@
           <a:p>
             <a:fld id="{6A4B53A7-3209-46A6-9454-F38EAC8F11E7}" type="datetimeFigureOut">
               <a:rPr lang="en-US" smtClean="0"/>
-              <a:t>2/8/21</a:t>
+              <a:t>9/5/21</a:t>
             </a:fld>
             <a:endParaRPr lang="en-US"/>
           </a:p>
@@ -1075,7 +1509,7 @@
           <a:p>
             <a:fld id="{6A4B53A7-3209-46A6-9454-F38EAC8F11E7}" type="datetimeFigureOut">
               <a:rPr lang="en-US" smtClean="0"/>
-              <a:t>2/8/21</a:t>
+              <a:t>9/5/21</a:t>
             </a:fld>
             <a:endParaRPr lang="en-US"/>
           </a:p>
@@ -1307,7 +1741,7 @@
           <a:p>
             <a:fld id="{6A4B53A7-3209-46A6-9454-F38EAC8F11E7}" type="datetimeFigureOut">
               <a:rPr lang="en-US" smtClean="0"/>
-              <a:t>2/8/21</a:t>
+              <a:t>9/5/21</a:t>
             </a:fld>
             <a:endParaRPr lang="en-US"/>
           </a:p>
@@ -1667,7 +2101,7 @@
             <a:fld id="{6A4B53A7-3209-46A6-9454-F38EAC8F11E7}" type="datetimeFigureOut">
               <a:rPr lang="en-US" smtClean="0"/>
               <a:pPr/>
-              <a:t>2/8/21</a:t>
+              <a:t>9/5/21</a:t>
             </a:fld>
             <a:endParaRPr lang="en-US" dirty="0"/>
           </a:p>
@@ -1809,7 +2243,7 @@
           <a:p>
             <a:fld id="{6A4B53A7-3209-46A6-9454-F38EAC8F11E7}" type="datetimeFigureOut">
               <a:rPr lang="en-US" smtClean="0"/>
-              <a:t>2/8/21</a:t>
+              <a:t>9/5/21</a:t>
             </a:fld>
             <a:endParaRPr lang="en-US"/>
           </a:p>
@@ -1904,7 +2338,7 @@
           <a:p>
             <a:fld id="{6A4B53A7-3209-46A6-9454-F38EAC8F11E7}" type="datetimeFigureOut">
               <a:rPr lang="en-US" smtClean="0"/>
-              <a:t>2/8/21</a:t>
+              <a:t>9/5/21</a:t>
             </a:fld>
             <a:endParaRPr lang="en-US"/>
           </a:p>
@@ -2261,7 +2695,7 @@
           <a:p>
             <a:fld id="{6A4B53A7-3209-46A6-9454-F38EAC8F11E7}" type="datetimeFigureOut">
               <a:rPr lang="en-US" smtClean="0"/>
-              <a:t>2/8/21</a:t>
+              <a:t>9/5/21</a:t>
             </a:fld>
             <a:endParaRPr lang="en-US"/>
           </a:p>
@@ -2618,7 +3052,7 @@
           <a:p>
             <a:fld id="{6A4B53A7-3209-46A6-9454-F38EAC8F11E7}" type="datetimeFigureOut">
               <a:rPr lang="en-US" smtClean="0"/>
-              <a:t>2/8/21</a:t>
+              <a:t>9/5/21</a:t>
             </a:fld>
             <a:endParaRPr lang="en-US"/>
           </a:p>
@@ -2861,7 +3295,7 @@
             <a:fld id="{6A4B53A7-3209-46A6-9454-F38EAC8F11E7}" type="datetimeFigureOut">
               <a:rPr lang="en-US" smtClean="0"/>
               <a:pPr/>
-              <a:t>2/8/21</a:t>
+              <a:t>9/5/21</a:t>
             </a:fld>
             <a:endParaRPr lang="en-US" dirty="0"/>
           </a:p>
@@ -3355,7 +3789,7 @@
               <a:rPr lang="en-US" sz="10000" dirty="0">
                 <a:latin typeface="Willingar Diary" pitchFamily="2" charset="0"/>
               </a:rPr>
-              <a:t>Santa_ Diary_</a:t>
+              <a:t>Santa Diary</a:t>
             </a:r>
           </a:p>
         </p:txBody>
@@ -3385,7 +3819,7 @@
           <a:p>
             <a:r>
               <a:rPr lang="en-US" sz="3600" dirty="0"/>
-              <a:t>My Mad-107 project</a:t>
+              <a:t>My Mad-157 project</a:t>
             </a:r>
           </a:p>
         </p:txBody>
@@ -3610,7 +4044,7 @@
             </a:r>
             <a:r>
               <a:rPr lang="en-US" sz="2800" dirty="0"/>
-              <a:t>(text: String)</a:t>
+              <a:t>(text: String, date: String, etc.)</a:t>
             </a:r>
           </a:p>
           <a:p>
@@ -3728,7 +4162,7 @@
                 <a:ea typeface="+mj-ea"/>
                 <a:cs typeface="+mj-cs"/>
               </a:rPr>
-              <a:t>The output</a:t>
+              <a:t>A search feature?</a:t>
             </a:r>
           </a:p>
         </p:txBody>
@@ -3747,8 +4181,8 @@
         </p:nvSpPr>
         <p:spPr>
           <a:xfrm>
-            <a:off x="1048872" y="2210145"/>
-            <a:ext cx="10515600" cy="3702887"/>
+            <a:off x="1586754" y="2210145"/>
+            <a:ext cx="9977718" cy="3702887"/>
           </a:xfrm>
           <a:prstGeom prst="rect">
             <a:avLst/>
@@ -3787,7 +4221,7 @@
             </a:pPr>
             <a:r>
               <a:rPr lang="en-US" sz="2800" dirty="0"/>
-              <a:t>The user will want to read old entries or letters</a:t>
+              <a:t>User may want to view entries from a different time period</a:t>
             </a:r>
           </a:p>
           <a:p>
@@ -3803,7 +4237,7 @@
             </a:pPr>
             <a:r>
               <a:rPr lang="en-US" sz="2800" dirty="0"/>
-              <a:t>Write the functions used to sort through data and print to the console</a:t>
+              <a:t>Write the functions used to sort through data and print all relevant data to console.</a:t>
             </a:r>
           </a:p>
           <a:p>
@@ -3817,10 +4251,13 @@
               <a:buFont typeface="Arial" panose="020B0604020202020204" pitchFamily="34" charset="0"/>
               <a:buChar char="•"/>
             </a:pPr>
-            <a:endParaRPr lang="en-US" sz="2800" dirty="0"/>
-          </a:p>
-          <a:p>
-            <a:pPr defTabSz="914400">
+            <a:r>
+              <a:rPr lang="en-US" sz="2800" dirty="0"/>
+              <a:t>Example:</a:t>
+            </a:r>
+          </a:p>
+          <a:p>
+            <a:pPr marL="228600" lvl="1" defTabSz="914400">
               <a:spcBef>
                 <a:spcPts val="1000"/>
               </a:spcBef>
@@ -3830,7 +4267,7 @@
             </a:pPr>
             <a:r>
               <a:rPr lang="en-US" sz="2800" dirty="0"/>
-              <a:t>Example: </a:t>
+              <a:t>	 </a:t>
             </a:r>
             <a:r>
               <a:rPr lang="en-US" sz="2800" dirty="0" err="1"/>
@@ -3842,19 +4279,11 @@
             </a:r>
             <a:r>
               <a:rPr lang="en-US" sz="2800" dirty="0" err="1"/>
-              <a:t>displayEntry</a:t>
+              <a:t>getEntries</a:t>
             </a:r>
             <a:r>
               <a:rPr lang="en-US" sz="2800" dirty="0"/>
-              <a:t>(year: String, Month: </a:t>
-            </a:r>
-            <a:r>
-              <a:rPr lang="en-US" sz="2800" dirty="0" err="1"/>
-              <a:t>String,day</a:t>
-            </a:r>
-            <a:r>
-              <a:rPr lang="en-US" sz="2800" dirty="0"/>
-              <a:t>)</a:t>
+              <a:t>(year: String, Month: String)</a:t>
             </a:r>
           </a:p>
           <a:p>
@@ -3903,502 +4332,7 @@
     </p:spTree>
     <p:extLst>
       <p:ext uri="{BB962C8B-B14F-4D97-AF65-F5344CB8AC3E}">
-        <p14:creationId xmlns:p14="http://schemas.microsoft.com/office/powerpoint/2010/main" val="4066963825"/>
-      </p:ext>
-    </p:extLst>
-  </p:cSld>
-  <p:clrMapOvr>
-    <a:masterClrMapping/>
-  </p:clrMapOvr>
-</p:sld>
-</file>
-
-<file path=ppt/slides/slide12.xml><?xml version="1.0" encoding="utf-8"?>
-<p:sld xmlns:a="http://schemas.openxmlformats.org/drawingml/2006/main" xmlns:r="http://schemas.openxmlformats.org/officeDocument/2006/relationships" xmlns:p="http://schemas.openxmlformats.org/presentationml/2006/main">
-  <p:cSld>
-    <p:bg>
-      <p:bgPr>
-        <a:solidFill>
-          <a:srgbClr val="216F60"/>
-        </a:solidFill>
-        <a:effectLst/>
-      </p:bgPr>
-    </p:bg>
-    <p:spTree>
-      <p:nvGrpSpPr>
-        <p:cNvPr id="1" name=""/>
-        <p:cNvGrpSpPr/>
-        <p:nvPr/>
-      </p:nvGrpSpPr>
-      <p:grpSpPr>
-        <a:xfrm>
-          <a:off x="0" y="0"/>
-          <a:ext cx="0" cy="0"/>
-          <a:chOff x="0" y="0"/>
-          <a:chExt cx="0" cy="0"/>
-        </a:xfrm>
-      </p:grpSpPr>
-      <p:sp>
-        <p:nvSpPr>
-          <p:cNvPr id="4" name="TextBox 3">
-            <a:extLst>
-              <a:ext uri="{FF2B5EF4-FFF2-40B4-BE49-F238E27FC236}">
-                <a16:creationId xmlns:a16="http://schemas.microsoft.com/office/drawing/2014/main" id="{E84CF838-D3AA-6F49-B981-F12736D7BDD1}"/>
-              </a:ext>
-            </a:extLst>
-          </p:cNvPr>
-          <p:cNvSpPr txBox="1"/>
-          <p:nvPr/>
-        </p:nvSpPr>
-        <p:spPr>
-          <a:xfrm>
-            <a:off x="643466" y="642968"/>
-            <a:ext cx="10921005" cy="1567177"/>
-          </a:xfrm>
-          <a:prstGeom prst="rect">
-            <a:avLst/>
-          </a:prstGeom>
-          <a:solidFill>
-            <a:srgbClr val="EDDDBA"/>
-          </a:solidFill>
-          <a:ln>
-            <a:solidFill>
-              <a:schemeClr val="bg1"/>
-            </a:solidFill>
-          </a:ln>
-        </p:spPr>
-        <p:txBody>
-          <a:bodyPr vert="horz" wrap="square" lIns="182880" tIns="182880" rIns="182880" bIns="182880" rtlCol="0" anchor="ctr">
-            <a:normAutofit/>
-          </a:bodyPr>
-          <a:lstStyle/>
-          <a:p>
-            <a:pPr algn="ctr" defTabSz="914400">
-              <a:lnSpc>
-                <a:spcPct val="90000"/>
-              </a:lnSpc>
-              <a:spcBef>
-                <a:spcPct val="0"/>
-              </a:spcBef>
-              <a:spcAft>
-                <a:spcPts val="600"/>
-              </a:spcAft>
-            </a:pPr>
-            <a:r>
-              <a:rPr lang="en-US" sz="2800" cap="all" spc="200" dirty="0">
-                <a:solidFill>
-                  <a:schemeClr val="bg1">
-                    <a:lumMod val="95000"/>
-                    <a:lumOff val="5000"/>
-                  </a:schemeClr>
-                </a:solidFill>
-                <a:latin typeface="+mj-lt"/>
-                <a:ea typeface="+mj-ea"/>
-                <a:cs typeface="+mj-cs"/>
-              </a:rPr>
-              <a:t>A search feature?</a:t>
-            </a:r>
-          </a:p>
-        </p:txBody>
-      </p:sp>
-      <p:sp>
-        <p:nvSpPr>
-          <p:cNvPr id="2" name="TextBox 1">
-            <a:extLst>
-              <a:ext uri="{FF2B5EF4-FFF2-40B4-BE49-F238E27FC236}">
-                <a16:creationId xmlns:a16="http://schemas.microsoft.com/office/drawing/2014/main" id="{EAF09FE4-F0A1-6B4E-B212-AE1CD1A3A36F}"/>
-              </a:ext>
-            </a:extLst>
-          </p:cNvPr>
-          <p:cNvSpPr txBox="1"/>
-          <p:nvPr/>
-        </p:nvSpPr>
-        <p:spPr>
-          <a:xfrm>
-            <a:off x="1586754" y="2210145"/>
-            <a:ext cx="9977718" cy="3702887"/>
-          </a:xfrm>
-          <a:prstGeom prst="rect">
-            <a:avLst/>
-          </a:prstGeom>
-        </p:spPr>
-        <p:txBody>
-          <a:bodyPr vert="horz" lIns="91440" tIns="45720" rIns="91440" bIns="45720" rtlCol="0">
-            <a:normAutofit/>
-          </a:bodyPr>
-          <a:lstStyle/>
-          <a:p>
-            <a:pPr defTabSz="914400">
-              <a:spcBef>
-                <a:spcPts val="1000"/>
-              </a:spcBef>
-              <a:buClr>
-                <a:schemeClr val="accent2"/>
-              </a:buClr>
-            </a:pPr>
-            <a:endParaRPr lang="en-US" sz="2800" dirty="0">
-              <a:solidFill>
-                <a:schemeClr val="bg1"/>
-              </a:solidFill>
-            </a:endParaRPr>
-          </a:p>
-          <a:p>
-            <a:pPr indent="-228600" defTabSz="914400">
-              <a:spcBef>
-                <a:spcPts val="1000"/>
-              </a:spcBef>
-              <a:buClr>
-                <a:schemeClr val="accent2"/>
-              </a:buClr>
-              <a:buFont typeface="Arial" panose="020B0604020202020204" pitchFamily="34" charset="0"/>
-              <a:buChar char="•"/>
-            </a:pPr>
-            <a:r>
-              <a:rPr lang="en-US" sz="2800" dirty="0"/>
-              <a:t>User may want to view entries from a different time period</a:t>
-            </a:r>
-          </a:p>
-          <a:p>
-            <a:pPr indent="-228600" defTabSz="914400">
-              <a:spcBef>
-                <a:spcPts val="1000"/>
-              </a:spcBef>
-              <a:buClr>
-                <a:schemeClr val="accent2"/>
-              </a:buClr>
-              <a:buFont typeface="Arial" panose="020B0604020202020204" pitchFamily="34" charset="0"/>
-              <a:buChar char="•"/>
-            </a:pPr>
-            <a:r>
-              <a:rPr lang="en-US" sz="2800" dirty="0"/>
-              <a:t>Write the functions used to sort through data and print all relevant data to console.</a:t>
-            </a:r>
-          </a:p>
-          <a:p>
-            <a:pPr indent="-228600" defTabSz="914400">
-              <a:spcBef>
-                <a:spcPts val="1000"/>
-              </a:spcBef>
-              <a:buClr>
-                <a:schemeClr val="accent2"/>
-              </a:buClr>
-              <a:buFont typeface="Arial" panose="020B0604020202020204" pitchFamily="34" charset="0"/>
-              <a:buChar char="•"/>
-            </a:pPr>
-            <a:r>
-              <a:rPr lang="en-US" sz="2800" dirty="0"/>
-              <a:t>Example:</a:t>
-            </a:r>
-          </a:p>
-          <a:p>
-            <a:pPr marL="228600" lvl="1" defTabSz="914400">
-              <a:spcBef>
-                <a:spcPts val="1000"/>
-              </a:spcBef>
-              <a:buClr>
-                <a:schemeClr val="accent2"/>
-              </a:buClr>
-            </a:pPr>
-            <a:r>
-              <a:rPr lang="en-US" sz="2800" dirty="0"/>
-              <a:t>	 </a:t>
-            </a:r>
-            <a:r>
-              <a:rPr lang="en-US" sz="2800" dirty="0" err="1"/>
-              <a:t>DiaryManager</a:t>
-            </a:r>
-            <a:r>
-              <a:rPr lang="en-US" sz="2800" dirty="0"/>
-              <a:t>().</a:t>
-            </a:r>
-            <a:r>
-              <a:rPr lang="en-US" sz="2800" dirty="0" err="1"/>
-              <a:t>getEntries</a:t>
-            </a:r>
-            <a:r>
-              <a:rPr lang="en-US" sz="2800" dirty="0"/>
-              <a:t>(year: String, Month: String)</a:t>
-            </a:r>
-          </a:p>
-          <a:p>
-            <a:pPr indent="-228600" defTabSz="914400">
-              <a:spcBef>
-                <a:spcPts val="1000"/>
-              </a:spcBef>
-              <a:buClr>
-                <a:schemeClr val="accent2"/>
-              </a:buClr>
-              <a:buFont typeface="Arial" panose="020B0604020202020204" pitchFamily="34" charset="0"/>
-              <a:buChar char="•"/>
-            </a:pPr>
-            <a:endParaRPr lang="en-US" sz="2800" dirty="0"/>
-          </a:p>
-          <a:p>
-            <a:pPr indent="-228600" defTabSz="914400">
-              <a:spcBef>
-                <a:spcPts val="1000"/>
-              </a:spcBef>
-              <a:buClr>
-                <a:schemeClr val="accent2"/>
-              </a:buClr>
-              <a:buFont typeface="Arial" panose="020B0604020202020204" pitchFamily="34" charset="0"/>
-              <a:buChar char="•"/>
-            </a:pPr>
-            <a:endParaRPr lang="en-US" sz="2800" dirty="0"/>
-          </a:p>
-          <a:p>
-            <a:pPr defTabSz="914400">
-              <a:spcBef>
-                <a:spcPts val="1000"/>
-              </a:spcBef>
-              <a:buClr>
-                <a:schemeClr val="accent2"/>
-              </a:buClr>
-            </a:pPr>
-            <a:endParaRPr lang="en-US" sz="2800" dirty="0">
-              <a:solidFill>
-                <a:schemeClr val="bg1"/>
-              </a:solidFill>
-            </a:endParaRPr>
-          </a:p>
-        </p:txBody>
-      </p:sp>
-    </p:spTree>
-    <p:extLst>
-      <p:ext uri="{BB962C8B-B14F-4D97-AF65-F5344CB8AC3E}">
         <p14:creationId xmlns:p14="http://schemas.microsoft.com/office/powerpoint/2010/main" val="4263177415"/>
-      </p:ext>
-    </p:extLst>
-  </p:cSld>
-  <p:clrMapOvr>
-    <a:masterClrMapping/>
-  </p:clrMapOvr>
-</p:sld>
-</file>
-
-<file path=ppt/slides/slide13.xml><?xml version="1.0" encoding="utf-8"?>
-<p:sld xmlns:a="http://schemas.openxmlformats.org/drawingml/2006/main" xmlns:r="http://schemas.openxmlformats.org/officeDocument/2006/relationships" xmlns:p="http://schemas.openxmlformats.org/presentationml/2006/main">
-  <p:cSld>
-    <p:bg>
-      <p:bgPr>
-        <a:solidFill>
-          <a:srgbClr val="216F60"/>
-        </a:solidFill>
-        <a:effectLst/>
-      </p:bgPr>
-    </p:bg>
-    <p:spTree>
-      <p:nvGrpSpPr>
-        <p:cNvPr id="1" name=""/>
-        <p:cNvGrpSpPr/>
-        <p:nvPr/>
-      </p:nvGrpSpPr>
-      <p:grpSpPr>
-        <a:xfrm>
-          <a:off x="0" y="0"/>
-          <a:ext cx="0" cy="0"/>
-          <a:chOff x="0" y="0"/>
-          <a:chExt cx="0" cy="0"/>
-        </a:xfrm>
-      </p:grpSpPr>
-      <p:sp>
-        <p:nvSpPr>
-          <p:cNvPr id="4" name="TextBox 3">
-            <a:extLst>
-              <a:ext uri="{FF2B5EF4-FFF2-40B4-BE49-F238E27FC236}">
-                <a16:creationId xmlns:a16="http://schemas.microsoft.com/office/drawing/2014/main" id="{E84CF838-D3AA-6F49-B981-F12736D7BDD1}"/>
-              </a:ext>
-            </a:extLst>
-          </p:cNvPr>
-          <p:cNvSpPr txBox="1"/>
-          <p:nvPr/>
-        </p:nvSpPr>
-        <p:spPr>
-          <a:xfrm>
-            <a:off x="643466" y="642968"/>
-            <a:ext cx="10921005" cy="1567177"/>
-          </a:xfrm>
-          <a:prstGeom prst="rect">
-            <a:avLst/>
-          </a:prstGeom>
-          <a:solidFill>
-            <a:srgbClr val="EDDDBA"/>
-          </a:solidFill>
-          <a:ln>
-            <a:solidFill>
-              <a:schemeClr val="bg1"/>
-            </a:solidFill>
-          </a:ln>
-        </p:spPr>
-        <p:txBody>
-          <a:bodyPr vert="horz" wrap="square" lIns="182880" tIns="182880" rIns="182880" bIns="182880" rtlCol="0" anchor="ctr">
-            <a:normAutofit/>
-          </a:bodyPr>
-          <a:lstStyle/>
-          <a:p>
-            <a:pPr algn="ctr" defTabSz="914400">
-              <a:lnSpc>
-                <a:spcPct val="90000"/>
-              </a:lnSpc>
-              <a:spcBef>
-                <a:spcPct val="0"/>
-              </a:spcBef>
-              <a:spcAft>
-                <a:spcPts val="600"/>
-              </a:spcAft>
-            </a:pPr>
-            <a:r>
-              <a:rPr lang="en-US" sz="2800" cap="all" spc="200" dirty="0">
-                <a:solidFill>
-                  <a:schemeClr val="bg1">
-                    <a:lumMod val="95000"/>
-                    <a:lumOff val="5000"/>
-                  </a:schemeClr>
-                </a:solidFill>
-                <a:latin typeface="+mj-lt"/>
-                <a:ea typeface="+mj-ea"/>
-                <a:cs typeface="+mj-cs"/>
-              </a:rPr>
-              <a:t>Future</a:t>
-            </a:r>
-          </a:p>
-        </p:txBody>
-      </p:sp>
-      <p:sp>
-        <p:nvSpPr>
-          <p:cNvPr id="2" name="TextBox 1">
-            <a:extLst>
-              <a:ext uri="{FF2B5EF4-FFF2-40B4-BE49-F238E27FC236}">
-                <a16:creationId xmlns:a16="http://schemas.microsoft.com/office/drawing/2014/main" id="{EAF09FE4-F0A1-6B4E-B212-AE1CD1A3A36F}"/>
-              </a:ext>
-            </a:extLst>
-          </p:cNvPr>
-          <p:cNvSpPr txBox="1"/>
-          <p:nvPr/>
-        </p:nvSpPr>
-        <p:spPr>
-          <a:xfrm>
-            <a:off x="2230220" y="2210145"/>
-            <a:ext cx="9334251" cy="3702887"/>
-          </a:xfrm>
-          <a:prstGeom prst="rect">
-            <a:avLst/>
-          </a:prstGeom>
-        </p:spPr>
-        <p:txBody>
-          <a:bodyPr vert="horz" lIns="91440" tIns="45720" rIns="91440" bIns="45720" rtlCol="0">
-            <a:normAutofit/>
-          </a:bodyPr>
-          <a:lstStyle/>
-          <a:p>
-            <a:pPr defTabSz="914400">
-              <a:spcBef>
-                <a:spcPts val="1000"/>
-              </a:spcBef>
-              <a:buClr>
-                <a:schemeClr val="accent2"/>
-              </a:buClr>
-            </a:pPr>
-            <a:endParaRPr lang="en-US" sz="2800" dirty="0">
-              <a:solidFill>
-                <a:schemeClr val="bg1"/>
-              </a:solidFill>
-            </a:endParaRPr>
-          </a:p>
-          <a:p>
-            <a:pPr defTabSz="914400">
-              <a:spcBef>
-                <a:spcPts val="1000"/>
-              </a:spcBef>
-              <a:buClr>
-                <a:schemeClr val="accent2"/>
-              </a:buClr>
-            </a:pPr>
-            <a:endParaRPr lang="en-US" sz="2800" dirty="0"/>
-          </a:p>
-          <a:p>
-            <a:pPr indent="-228600" defTabSz="914400">
-              <a:spcBef>
-                <a:spcPts val="1000"/>
-              </a:spcBef>
-              <a:buClr>
-                <a:schemeClr val="accent2"/>
-              </a:buClr>
-              <a:buFont typeface="Arial" panose="020B0604020202020204" pitchFamily="34" charset="0"/>
-              <a:buChar char="•"/>
-            </a:pPr>
-            <a:endParaRPr lang="en-US" sz="2800" dirty="0"/>
-          </a:p>
-          <a:p>
-            <a:pPr defTabSz="914400">
-              <a:spcBef>
-                <a:spcPts val="1000"/>
-              </a:spcBef>
-              <a:buClr>
-                <a:schemeClr val="accent2"/>
-              </a:buClr>
-            </a:pPr>
-            <a:endParaRPr lang="en-US" sz="2800" dirty="0">
-              <a:solidFill>
-                <a:schemeClr val="bg1"/>
-              </a:solidFill>
-            </a:endParaRPr>
-          </a:p>
-        </p:txBody>
-      </p:sp>
-      <p:sp>
-        <p:nvSpPr>
-          <p:cNvPr id="3" name="TextBox 2">
-            <a:extLst>
-              <a:ext uri="{FF2B5EF4-FFF2-40B4-BE49-F238E27FC236}">
-                <a16:creationId xmlns:a16="http://schemas.microsoft.com/office/drawing/2014/main" id="{F8A380CD-3C31-EE49-AF0D-912CD9D17403}"/>
-              </a:ext>
-            </a:extLst>
-          </p:cNvPr>
-          <p:cNvSpPr txBox="1"/>
-          <p:nvPr/>
-        </p:nvSpPr>
-        <p:spPr>
-          <a:xfrm>
-            <a:off x="2057400" y="2628900"/>
-            <a:ext cx="8343900" cy="646331"/>
-          </a:xfrm>
-          <a:prstGeom prst="rect">
-            <a:avLst/>
-          </a:prstGeom>
-          <a:noFill/>
-        </p:spPr>
-        <p:txBody>
-          <a:bodyPr wrap="square" rtlCol="0">
-            <a:spAutoFit/>
-          </a:bodyPr>
-          <a:lstStyle/>
-          <a:p>
-            <a:r>
-              <a:rPr lang="en-US" dirty="0"/>
-              <a:t>Write similar classes, structs, and functions for the </a:t>
-            </a:r>
-            <a:r>
-              <a:rPr lang="en-US" dirty="0" err="1"/>
-              <a:t>santa</a:t>
-            </a:r>
-            <a:r>
-              <a:rPr lang="en-US" dirty="0"/>
-              <a:t> letters</a:t>
-            </a:r>
-          </a:p>
-          <a:p>
-            <a:r>
-              <a:rPr lang="en-US" dirty="0"/>
-              <a:t>Learn about json files and if they would be better suited for simulating a database</a:t>
-            </a:r>
-          </a:p>
-        </p:txBody>
-      </p:sp>
-    </p:spTree>
-    <p:extLst>
-      <p:ext uri="{BB962C8B-B14F-4D97-AF65-F5344CB8AC3E}">
-        <p14:creationId xmlns:p14="http://schemas.microsoft.com/office/powerpoint/2010/main" val="1530049103"/>
       </p:ext>
     </p:extLst>
   </p:cSld>
@@ -4547,10 +4481,10 @@
       </p:sp>
       <p:pic>
         <p:nvPicPr>
-          <p:cNvPr id="6" name="Picture 5" descr="Graphical user interface, application&#10;&#10;Description automatically generated">
+          <p:cNvPr id="3" name="Picture 2" descr="Application&#10;&#10;Description automatically generated">
             <a:extLst>
               <a:ext uri="{FF2B5EF4-FFF2-40B4-BE49-F238E27FC236}">
-                <a16:creationId xmlns:a16="http://schemas.microsoft.com/office/drawing/2014/main" id="{94BBFA1B-B872-874F-9E80-F4E941FC651D}"/>
+                <a16:creationId xmlns:a16="http://schemas.microsoft.com/office/drawing/2014/main" id="{4C870EC0-1A24-C945-BE9D-8EC51A1F4749}"/>
               </a:ext>
             </a:extLst>
           </p:cNvPr>
@@ -4567,8 +4501,8 @@
         </p:blipFill>
         <p:spPr>
           <a:xfrm>
-            <a:off x="537882" y="346486"/>
-            <a:ext cx="3429697" cy="6179638"/>
+            <a:off x="530450" y="353438"/>
+            <a:ext cx="3438045" cy="6077972"/>
           </a:xfrm>
           <a:prstGeom prst="rect">
             <a:avLst/>
@@ -4615,55 +4549,6 @@
       </p:grpSpPr>
       <p:sp>
         <p:nvSpPr>
-          <p:cNvPr id="4" name="TextBox 3">
-            <a:extLst>
-              <a:ext uri="{FF2B5EF4-FFF2-40B4-BE49-F238E27FC236}">
-                <a16:creationId xmlns:a16="http://schemas.microsoft.com/office/drawing/2014/main" id="{E84CF838-D3AA-6F49-B981-F12736D7BDD1}"/>
-              </a:ext>
-            </a:extLst>
-          </p:cNvPr>
-          <p:cNvSpPr txBox="1"/>
-          <p:nvPr/>
-        </p:nvSpPr>
-        <p:spPr>
-          <a:xfrm>
-            <a:off x="5314132" y="2865774"/>
-            <a:ext cx="6219401" cy="1126462"/>
-          </a:xfrm>
-          <a:prstGeom prst="rect">
-            <a:avLst/>
-          </a:prstGeom>
-        </p:spPr>
-        <p:txBody>
-          <a:bodyPr vert="horz" wrap="square" lIns="182880" tIns="182880" rIns="182880" bIns="182880" rtlCol="0" anchor="ctr">
-            <a:normAutofit/>
-          </a:bodyPr>
-          <a:lstStyle/>
-          <a:p>
-            <a:pPr algn="ctr" defTabSz="914400">
-              <a:lnSpc>
-                <a:spcPct val="90000"/>
-              </a:lnSpc>
-              <a:spcBef>
-                <a:spcPct val="0"/>
-              </a:spcBef>
-              <a:spcAft>
-                <a:spcPts val="600"/>
-              </a:spcAft>
-            </a:pPr>
-            <a:r>
-              <a:rPr lang="en-US" sz="2800" cap="all" spc="200" dirty="0">
-                <a:latin typeface="+mj-lt"/>
-                <a:ea typeface="+mj-ea"/>
-                <a:cs typeface="+mj-cs"/>
-              </a:rPr>
-              <a:t>View Diary entries</a:t>
-            </a:r>
-          </a:p>
-        </p:txBody>
-      </p:sp>
-      <p:sp>
-        <p:nvSpPr>
           <p:cNvPr id="11" name="Rectangle 10">
             <a:extLst>
               <a:ext uri="{FF2B5EF4-FFF2-40B4-BE49-F238E27FC236}">
@@ -4727,10 +4612,10 @@
       </p:sp>
       <p:pic>
         <p:nvPicPr>
-          <p:cNvPr id="3" name="Picture 2" descr="A picture containing text, grass, screenshot&#10;&#10;Description automatically generated">
+          <p:cNvPr id="5" name="Picture 4" descr="A picture containing text, grass, screenshot&#10;&#10;Description automatically generated">
             <a:extLst>
               <a:ext uri="{FF2B5EF4-FFF2-40B4-BE49-F238E27FC236}">
-                <a16:creationId xmlns:a16="http://schemas.microsoft.com/office/drawing/2014/main" id="{2862C033-6A5D-AA45-B2B0-6D1907E60222}"/>
+                <a16:creationId xmlns:a16="http://schemas.microsoft.com/office/drawing/2014/main" id="{646D053E-C7C6-CB48-900E-EAB24A8DABBD}"/>
               </a:ext>
             </a:extLst>
           </p:cNvPr>
@@ -4740,21 +4625,70 @@
           <p:nvPr/>
         </p:nvPicPr>
         <p:blipFill>
-          <a:blip r:embed="rId2"/>
+          <a:blip r:embed="rId3"/>
           <a:stretch>
             <a:fillRect/>
           </a:stretch>
         </p:blipFill>
         <p:spPr>
           <a:xfrm>
-            <a:off x="658467" y="416859"/>
-            <a:ext cx="3352931" cy="6024282"/>
+            <a:off x="604012" y="371747"/>
+            <a:ext cx="3401060" cy="6150515"/>
           </a:xfrm>
           <a:prstGeom prst="rect">
             <a:avLst/>
           </a:prstGeom>
         </p:spPr>
       </p:pic>
+      <p:sp>
+        <p:nvSpPr>
+          <p:cNvPr id="12" name="TextBox 11">
+            <a:extLst>
+              <a:ext uri="{FF2B5EF4-FFF2-40B4-BE49-F238E27FC236}">
+                <a16:creationId xmlns:a16="http://schemas.microsoft.com/office/drawing/2014/main" id="{3E5F26A3-F9DC-294F-B62F-0C8EFF0BD7D0}"/>
+              </a:ext>
+            </a:extLst>
+          </p:cNvPr>
+          <p:cNvSpPr txBox="1"/>
+          <p:nvPr/>
+        </p:nvSpPr>
+        <p:spPr>
+          <a:xfrm>
+            <a:off x="5314132" y="2865774"/>
+            <a:ext cx="6219401" cy="1126462"/>
+          </a:xfrm>
+          <a:prstGeom prst="rect">
+            <a:avLst/>
+          </a:prstGeom>
+        </p:spPr>
+        <p:txBody>
+          <a:bodyPr vert="horz" wrap="square" lIns="182880" tIns="182880" rIns="182880" bIns="182880" rtlCol="0" anchor="ctr">
+            <a:noAutofit/>
+          </a:bodyPr>
+          <a:lstStyle/>
+          <a:p>
+            <a:pPr algn="ctr" defTabSz="914400">
+              <a:lnSpc>
+                <a:spcPct val="90000"/>
+              </a:lnSpc>
+              <a:spcBef>
+                <a:spcPct val="0"/>
+              </a:spcBef>
+              <a:spcAft>
+                <a:spcPts val="600"/>
+              </a:spcAft>
+            </a:pPr>
+            <a:r>
+              <a:rPr lang="en-US" sz="4000" cap="all" spc="200" dirty="0">
+                <a:latin typeface="+mj-lt"/>
+                <a:ea typeface="+mj-ea"/>
+                <a:cs typeface="+mj-cs"/>
+              </a:rPr>
+              <a:t>Read / Write Diary Entries</a:t>
+            </a:r>
+          </a:p>
+        </p:txBody>
+      </p:sp>
     </p:spTree>
     <p:extLst>
       <p:ext uri="{BB962C8B-B14F-4D97-AF65-F5344CB8AC3E}">
@@ -4774,7 +4708,7 @@
     <p:bg>
       <p:bgPr>
         <a:solidFill>
-          <a:srgbClr val="216F60"/>
+          <a:schemeClr val="accent2"/>
         </a:solidFill>
         <a:effectLst/>
       </p:bgPr>
@@ -4833,11 +4767,14 @@
             </a:pPr>
             <a:r>
               <a:rPr lang="en-US" sz="2800" cap="all" spc="200" dirty="0">
+                <a:solidFill>
+                  <a:srgbClr val="262626"/>
+                </a:solidFill>
                 <a:latin typeface="+mj-lt"/>
                 <a:ea typeface="+mj-ea"/>
                 <a:cs typeface="+mj-cs"/>
               </a:rPr>
-              <a:t>Add Diary entries</a:t>
+              <a:t>Read / Write Santa Letters</a:t>
             </a:r>
           </a:p>
         </p:txBody>
@@ -4907,10 +4844,10 @@
       </p:sp>
       <p:pic>
         <p:nvPicPr>
-          <p:cNvPr id="3" name="Picture 2" descr="A picture containing text, grass, screenshot&#10;&#10;Description automatically generated">
+          <p:cNvPr id="3" name="Picture 2" descr="Text&#10;&#10;Description automatically generated">
             <a:extLst>
               <a:ext uri="{FF2B5EF4-FFF2-40B4-BE49-F238E27FC236}">
-                <a16:creationId xmlns:a16="http://schemas.microsoft.com/office/drawing/2014/main" id="{2862C033-6A5D-AA45-B2B0-6D1907E60222}"/>
+                <a16:creationId xmlns:a16="http://schemas.microsoft.com/office/drawing/2014/main" id="{D491D3E2-6926-7D48-9E13-81CBB1C88C57}"/>
               </a:ext>
             </a:extLst>
           </p:cNvPr>
@@ -4927,38 +4864,8 @@
         </p:blipFill>
         <p:spPr>
           <a:xfrm>
-            <a:off x="861219" y="640080"/>
-            <a:ext cx="2951614" cy="5294376"/>
-          </a:xfrm>
-          <a:prstGeom prst="rect">
-            <a:avLst/>
-          </a:prstGeom>
-        </p:spPr>
-      </p:pic>
-      <p:pic>
-        <p:nvPicPr>
-          <p:cNvPr id="5" name="Picture 4" descr="A picture containing shape&#10;&#10;Description automatically generated">
-            <a:extLst>
-              <a:ext uri="{FF2B5EF4-FFF2-40B4-BE49-F238E27FC236}">
-                <a16:creationId xmlns:a16="http://schemas.microsoft.com/office/drawing/2014/main" id="{5BD2B949-B6CB-FA42-A9C6-1FCD3AFA1DD8}"/>
-              </a:ext>
-            </a:extLst>
-          </p:cNvPr>
-          <p:cNvPicPr>
-            <a:picLocks noChangeAspect="1"/>
-          </p:cNvPicPr>
-          <p:nvPr/>
-        </p:nvPicPr>
-        <p:blipFill>
-          <a:blip r:embed="rId3"/>
-          <a:stretch>
-            <a:fillRect/>
-          </a:stretch>
-        </p:blipFill>
-        <p:spPr>
-          <a:xfrm>
-            <a:off x="658467" y="559398"/>
-            <a:ext cx="3296819" cy="5897880"/>
+            <a:off x="658467" y="554611"/>
+            <a:ext cx="3204943" cy="5748778"/>
           </a:xfrm>
           <a:prstGeom prst="rect">
             <a:avLst/>
@@ -4968,7 +4875,7 @@
     </p:spTree>
     <p:extLst>
       <p:ext uri="{BB962C8B-B14F-4D97-AF65-F5344CB8AC3E}">
-        <p14:creationId xmlns:p14="http://schemas.microsoft.com/office/powerpoint/2010/main" val="953130356"/>
+        <p14:creationId xmlns:p14="http://schemas.microsoft.com/office/powerpoint/2010/main" val="1790268372"/>
       </p:ext>
     </p:extLst>
   </p:cSld>
@@ -4984,7 +4891,7 @@
     <p:bg>
       <p:bgPr>
         <a:solidFill>
-          <a:srgbClr val="216F60"/>
+          <a:schemeClr val="bg1"/>
         </a:solidFill>
         <a:effectLst/>
       </p:bgPr>
@@ -5003,6 +4910,35 @@
           <a:chExt cx="0" cy="0"/>
         </a:xfrm>
       </p:grpSpPr>
+      <p:pic>
+        <p:nvPicPr>
+          <p:cNvPr id="6" name="Picture 5" descr="Graphical user interface, application&#10;&#10;Description automatically generated">
+            <a:extLst>
+              <a:ext uri="{FF2B5EF4-FFF2-40B4-BE49-F238E27FC236}">
+                <a16:creationId xmlns:a16="http://schemas.microsoft.com/office/drawing/2014/main" id="{24BA7B9F-E6A3-2E4E-BCC2-FCC71C03F322}"/>
+              </a:ext>
+            </a:extLst>
+          </p:cNvPr>
+          <p:cNvPicPr>
+            <a:picLocks noChangeAspect="1"/>
+          </p:cNvPicPr>
+          <p:nvPr/>
+        </p:nvPicPr>
+        <p:blipFill rotWithShape="1">
+          <a:blip r:embed="rId2"/>
+          <a:srcRect r="888" b="-1"/>
+          <a:stretch/>
+        </p:blipFill>
+        <p:spPr>
+          <a:xfrm>
+            <a:off x="20" y="10"/>
+            <a:ext cx="12191980" cy="6857990"/>
+          </a:xfrm>
+          <a:prstGeom prst="rect">
+            <a:avLst/>
+          </a:prstGeom>
+        </p:spPr>
+      </p:pic>
       <p:sp>
         <p:nvSpPr>
           <p:cNvPr id="4" name="TextBox 3">
@@ -5017,16 +4953,27 @@
         </p:nvSpPr>
         <p:spPr>
           <a:xfrm>
-            <a:off x="5314132" y="2865774"/>
-            <a:ext cx="6219401" cy="1126462"/>
-          </a:xfrm>
-          <a:prstGeom prst="rect">
+            <a:off x="1600200" y="7192208"/>
+            <a:ext cx="8991600" cy="1645920"/>
+          </a:xfrm>
+          <a:prstGeom prst="ellipse">
             <a:avLst/>
           </a:prstGeom>
-        </p:spPr>
-        <p:txBody>
-          <a:bodyPr vert="horz" wrap="square" lIns="182880" tIns="182880" rIns="182880" bIns="182880" rtlCol="0" anchor="ctr">
-            <a:normAutofit lnSpcReduction="10000"/>
+          <a:solidFill>
+            <a:schemeClr val="bg1">
+              <a:alpha val="60000"/>
+            </a:schemeClr>
+          </a:solidFill>
+          <a:ln w="38100" cap="sq">
+            <a:solidFill>
+              <a:schemeClr val="tx1"/>
+            </a:solidFill>
+            <a:miter lim="800000"/>
+          </a:ln>
+        </p:spPr>
+        <p:txBody>
+          <a:bodyPr vert="horz" lIns="274320" tIns="182880" rIns="274320" bIns="182880" rtlCol="0" anchor="ctr" anchorCtr="1">
+            <a:normAutofit/>
           </a:bodyPr>
           <a:lstStyle/>
           <a:p>
@@ -5042,156 +4989,20 @@
               </a:spcAft>
             </a:pPr>
             <a:r>
-              <a:rPr lang="en-US" sz="2800" cap="all" spc="200" dirty="0">
+              <a:rPr lang="en-US" sz="3800" cap="all" spc="200">
                 <a:latin typeface="+mj-lt"/>
                 <a:ea typeface="+mj-ea"/>
                 <a:cs typeface="+mj-cs"/>
               </a:rPr>
-              <a:t>Read and write letters to </a:t>
-            </a:r>
-            <a:r>
-              <a:rPr lang="en-US" sz="2800" cap="all" spc="200" dirty="0" err="1">
-                <a:latin typeface="+mj-lt"/>
-                <a:ea typeface="+mj-ea"/>
-                <a:cs typeface="+mj-cs"/>
-              </a:rPr>
-              <a:t>santa</a:t>
-            </a:r>
-            <a:endParaRPr lang="en-US" sz="2800" cap="all" spc="200" dirty="0">
-              <a:latin typeface="+mj-lt"/>
-              <a:ea typeface="+mj-ea"/>
-              <a:cs typeface="+mj-cs"/>
-            </a:endParaRPr>
-          </a:p>
-        </p:txBody>
-      </p:sp>
-      <p:sp>
-        <p:nvSpPr>
-          <p:cNvPr id="9" name="Rectangle 8">
-            <a:extLst>
-              <a:ext uri="{FF2B5EF4-FFF2-40B4-BE49-F238E27FC236}">
-                <a16:creationId xmlns:a16="http://schemas.microsoft.com/office/drawing/2014/main" id="{9A30BEE6-CF9E-4712-A953-4B67901FC5F5}"/>
-              </a:ext>
-              <a:ext uri="{C183D7F6-B498-43B3-948B-1728B52AA6E4}">
-                <adec:decorative xmlns:adec="http://schemas.microsoft.com/office/drawing/2017/decorative" val="1"/>
-              </a:ext>
-            </a:extLst>
-          </p:cNvPr>
-          <p:cNvSpPr>
-            <a:spLocks noGrp="1" noRot="1" noChangeAspect="1" noMove="1" noResize="1" noEditPoints="1" noAdjustHandles="1" noChangeArrowheads="1" noChangeShapeType="1" noTextEdit="1"/>
-          </p:cNvSpPr>
-          <p:nvPr>
-            <p:extLst>
-              <p:ext uri="{386F3935-93C4-4BCD-93E2-E3B085C9AB24}">
-                <p16:designElem xmlns:p16="http://schemas.microsoft.com/office/powerpoint/2015/main" val="1"/>
-              </p:ext>
-            </p:extLst>
-          </p:nvPr>
-        </p:nvSpPr>
-        <p:spPr>
-          <a:xfrm>
-            <a:off x="1" y="0"/>
-            <a:ext cx="4654296" cy="6858000"/>
-          </a:xfrm>
-          <a:prstGeom prst="rect">
-            <a:avLst/>
-          </a:prstGeom>
-          <a:solidFill>
-            <a:schemeClr val="bg1"/>
-          </a:solidFill>
-          <a:ln>
-            <a:noFill/>
-          </a:ln>
-        </p:spPr>
-        <p:style>
-          <a:lnRef idx="2">
-            <a:schemeClr val="accent1">
-              <a:shade val="50000"/>
-            </a:schemeClr>
-          </a:lnRef>
-          <a:fillRef idx="1">
-            <a:schemeClr val="accent1"/>
-          </a:fillRef>
-          <a:effectRef idx="0">
-            <a:schemeClr val="accent1"/>
-          </a:effectRef>
-          <a:fontRef idx="minor">
-            <a:schemeClr val="lt1"/>
-          </a:fontRef>
-        </p:style>
-        <p:txBody>
-          <a:bodyPr rtlCol="0" anchor="ctr"/>
-          <a:lstStyle/>
-          <a:p>
-            <a:pPr algn="ctr"/>
-            <a:endParaRPr lang="en-US"/>
-          </a:p>
-        </p:txBody>
-      </p:sp>
-      <p:pic>
-        <p:nvPicPr>
-          <p:cNvPr id="3" name="Picture 2" descr="A picture containing text, grass, screenshot&#10;&#10;Description automatically generated">
-            <a:extLst>
-              <a:ext uri="{FF2B5EF4-FFF2-40B4-BE49-F238E27FC236}">
-                <a16:creationId xmlns:a16="http://schemas.microsoft.com/office/drawing/2014/main" id="{2862C033-6A5D-AA45-B2B0-6D1907E60222}"/>
-              </a:ext>
-            </a:extLst>
-          </p:cNvPr>
-          <p:cNvPicPr>
-            <a:picLocks noChangeAspect="1"/>
-          </p:cNvPicPr>
-          <p:nvPr/>
-        </p:nvPicPr>
-        <p:blipFill>
-          <a:blip r:embed="rId2"/>
-          <a:stretch>
-            <a:fillRect/>
-          </a:stretch>
-        </p:blipFill>
-        <p:spPr>
-          <a:xfrm>
-            <a:off x="861219" y="640080"/>
-            <a:ext cx="2951614" cy="5294376"/>
-          </a:xfrm>
-          <a:prstGeom prst="rect">
-            <a:avLst/>
-          </a:prstGeom>
-        </p:spPr>
-      </p:pic>
-      <p:pic>
-        <p:nvPicPr>
-          <p:cNvPr id="5" name="Picture 4" descr="Text&#10;&#10;Description automatically generated">
-            <a:extLst>
-              <a:ext uri="{FF2B5EF4-FFF2-40B4-BE49-F238E27FC236}">
-                <a16:creationId xmlns:a16="http://schemas.microsoft.com/office/drawing/2014/main" id="{A55C1F12-4D00-6640-B321-BDE96078BD4C}"/>
-              </a:ext>
-            </a:extLst>
-          </p:cNvPr>
-          <p:cNvPicPr>
-            <a:picLocks noChangeAspect="1"/>
-          </p:cNvPicPr>
-          <p:nvPr/>
-        </p:nvPicPr>
-        <p:blipFill>
-          <a:blip r:embed="rId3"/>
-          <a:stretch>
-            <a:fillRect/>
-          </a:stretch>
-        </p:blipFill>
-        <p:spPr>
-          <a:xfrm>
-            <a:off x="658466" y="481922"/>
-            <a:ext cx="3147551" cy="5735997"/>
-          </a:xfrm>
-          <a:prstGeom prst="rect">
-            <a:avLst/>
-          </a:prstGeom>
-        </p:spPr>
-      </p:pic>
+              <a:t>Add Diary entries</a:t>
+            </a:r>
+          </a:p>
+        </p:txBody>
+      </p:sp>
     </p:spTree>
     <p:extLst>
       <p:ext uri="{BB962C8B-B14F-4D97-AF65-F5344CB8AC3E}">
-        <p14:creationId xmlns:p14="http://schemas.microsoft.com/office/powerpoint/2010/main" val="404302387"/>
+        <p14:creationId xmlns:p14="http://schemas.microsoft.com/office/powerpoint/2010/main" val="953130356"/>
       </p:ext>
     </p:extLst>
   </p:cSld>
@@ -5240,24 +5051,16 @@
         </p:nvSpPr>
         <p:spPr>
           <a:xfrm>
-            <a:off x="643466" y="944968"/>
-            <a:ext cx="10921005" cy="1567177"/>
+            <a:off x="5314132" y="2865774"/>
+            <a:ext cx="6219401" cy="1126462"/>
           </a:xfrm>
           <a:prstGeom prst="rect">
             <a:avLst/>
           </a:prstGeom>
-          <a:solidFill>
-            <a:srgbClr val="EDDDBA"/>
-          </a:solidFill>
-          <a:ln>
-            <a:solidFill>
-              <a:schemeClr val="bg1"/>
-            </a:solidFill>
-          </a:ln>
         </p:spPr>
         <p:txBody>
           <a:bodyPr vert="horz" wrap="square" lIns="182880" tIns="182880" rIns="182880" bIns="182880" rtlCol="0" anchor="ctr">
-            <a:normAutofit/>
+            <a:normAutofit lnSpcReduction="10000"/>
           </a:bodyPr>
           <a:lstStyle/>
           <a:p>
@@ -5274,121 +5077,125 @@
             </a:pPr>
             <a:r>
               <a:rPr lang="en-US" sz="2800" cap="all" spc="200" dirty="0">
-                <a:solidFill>
-                  <a:schemeClr val="bg1">
-                    <a:lumMod val="95000"/>
-                    <a:lumOff val="5000"/>
-                  </a:schemeClr>
-                </a:solidFill>
                 <a:latin typeface="+mj-lt"/>
                 <a:ea typeface="+mj-ea"/>
                 <a:cs typeface="+mj-cs"/>
               </a:rPr>
-              <a:t>So what’s the plan?</a:t>
-            </a:r>
-          </a:p>
-        </p:txBody>
-      </p:sp>
-      <p:sp>
-        <p:nvSpPr>
-          <p:cNvPr id="2" name="TextBox 1">
+              <a:t>Read and write letters to </a:t>
+            </a:r>
+            <a:r>
+              <a:rPr lang="en-US" sz="2800" cap="all" spc="200" dirty="0" err="1">
+                <a:latin typeface="+mj-lt"/>
+                <a:ea typeface="+mj-ea"/>
+                <a:cs typeface="+mj-cs"/>
+              </a:rPr>
+              <a:t>santa</a:t>
+            </a:r>
+            <a:endParaRPr lang="en-US" sz="2800" cap="all" spc="200" dirty="0">
+              <a:latin typeface="+mj-lt"/>
+              <a:ea typeface="+mj-ea"/>
+              <a:cs typeface="+mj-cs"/>
+            </a:endParaRPr>
+          </a:p>
+        </p:txBody>
+      </p:sp>
+      <p:sp>
+        <p:nvSpPr>
+          <p:cNvPr id="9" name="Rectangle 8">
             <a:extLst>
               <a:ext uri="{FF2B5EF4-FFF2-40B4-BE49-F238E27FC236}">
-                <a16:creationId xmlns:a16="http://schemas.microsoft.com/office/drawing/2014/main" id="{EAF09FE4-F0A1-6B4E-B212-AE1CD1A3A36F}"/>
+                <a16:creationId xmlns:a16="http://schemas.microsoft.com/office/drawing/2014/main" id="{9A30BEE6-CF9E-4712-A953-4B67901FC5F5}"/>
+              </a:ext>
+              <a:ext uri="{C183D7F6-B498-43B3-948B-1728B52AA6E4}">
+                <adec:decorative xmlns:adec="http://schemas.microsoft.com/office/drawing/2017/decorative" val="1"/>
               </a:ext>
             </a:extLst>
           </p:cNvPr>
-          <p:cNvSpPr txBox="1"/>
-          <p:nvPr/>
-        </p:nvSpPr>
-        <p:spPr>
-          <a:xfrm>
-            <a:off x="2230220" y="2497410"/>
-            <a:ext cx="9334251" cy="3415622"/>
+          <p:cNvSpPr>
+            <a:spLocks noGrp="1" noRot="1" noChangeAspect="1" noMove="1" noResize="1" noEditPoints="1" noAdjustHandles="1" noChangeArrowheads="1" noChangeShapeType="1" noTextEdit="1"/>
+          </p:cNvSpPr>
+          <p:nvPr>
+            <p:extLst>
+              <p:ext uri="{386F3935-93C4-4BCD-93E2-E3B085C9AB24}">
+                <p16:designElem xmlns:p16="http://schemas.microsoft.com/office/powerpoint/2015/main" val="1"/>
+              </p:ext>
+            </p:extLst>
+          </p:nvPr>
+        </p:nvSpPr>
+        <p:spPr>
+          <a:xfrm>
+            <a:off x="1" y="0"/>
+            <a:ext cx="4654296" cy="6858000"/>
           </a:xfrm>
           <a:prstGeom prst="rect">
             <a:avLst/>
           </a:prstGeom>
-        </p:spPr>
-        <p:txBody>
-          <a:bodyPr vert="horz" lIns="91440" tIns="45720" rIns="91440" bIns="45720" rtlCol="0">
-            <a:normAutofit/>
-          </a:bodyPr>
-          <a:lstStyle/>
-          <a:p>
-            <a:pPr defTabSz="914400">
-              <a:spcBef>
-                <a:spcPts val="1000"/>
-              </a:spcBef>
-              <a:buClr>
-                <a:schemeClr val="accent2"/>
-              </a:buClr>
-            </a:pPr>
-            <a:endParaRPr lang="en-US" sz="2800" dirty="0">
-              <a:solidFill>
-                <a:schemeClr val="bg1"/>
-              </a:solidFill>
-            </a:endParaRPr>
-          </a:p>
-          <a:p>
-            <a:pPr indent="-228600" defTabSz="914400">
-              <a:spcBef>
-                <a:spcPts val="1000"/>
-              </a:spcBef>
-              <a:buClr>
-                <a:schemeClr val="accent2"/>
-              </a:buClr>
-              <a:buFont typeface="Arial" panose="020B0604020202020204" pitchFamily="34" charset="0"/>
-              <a:buChar char="•"/>
-            </a:pPr>
-            <a:endParaRPr lang="en-US" sz="2800" dirty="0">
-              <a:solidFill>
-                <a:schemeClr val="bg1"/>
-              </a:solidFill>
-            </a:endParaRPr>
-          </a:p>
-        </p:txBody>
-      </p:sp>
-      <p:sp>
-        <p:nvSpPr>
-          <p:cNvPr id="3" name="TextBox 2">
+          <a:solidFill>
+            <a:schemeClr val="bg1"/>
+          </a:solidFill>
+          <a:ln>
+            <a:noFill/>
+          </a:ln>
+        </p:spPr>
+        <p:style>
+          <a:lnRef idx="2">
+            <a:schemeClr val="accent1">
+              <a:shade val="50000"/>
+            </a:schemeClr>
+          </a:lnRef>
+          <a:fillRef idx="1">
+            <a:schemeClr val="accent1"/>
+          </a:fillRef>
+          <a:effectRef idx="0">
+            <a:schemeClr val="accent1"/>
+          </a:effectRef>
+          <a:fontRef idx="minor">
+            <a:schemeClr val="lt1"/>
+          </a:fontRef>
+        </p:style>
+        <p:txBody>
+          <a:bodyPr rtlCol="0" anchor="ctr"/>
+          <a:lstStyle/>
+          <a:p>
+            <a:pPr algn="ctr"/>
+            <a:endParaRPr lang="en-US"/>
+          </a:p>
+        </p:txBody>
+      </p:sp>
+      <p:pic>
+        <p:nvPicPr>
+          <p:cNvPr id="6" name="Picture 5" descr="Text&#10;&#10;Description automatically generated">
             <a:extLst>
               <a:ext uri="{FF2B5EF4-FFF2-40B4-BE49-F238E27FC236}">
-                <a16:creationId xmlns:a16="http://schemas.microsoft.com/office/drawing/2014/main" id="{15D99FEB-88FB-D340-AC19-FB75F8A11492}"/>
+                <a16:creationId xmlns:a16="http://schemas.microsoft.com/office/drawing/2014/main" id="{74BC5BD7-31EE-A64E-B878-2723333B129C}"/>
               </a:ext>
             </a:extLst>
           </p:cNvPr>
-          <p:cNvSpPr txBox="1"/>
+          <p:cNvPicPr>
+            <a:picLocks noChangeAspect="1"/>
+          </p:cNvPicPr>
           <p:nvPr/>
-        </p:nvSpPr>
-        <p:spPr>
-          <a:xfrm>
-            <a:off x="2102223" y="3473924"/>
-            <a:ext cx="7987553" cy="738664"/>
+        </p:nvPicPr>
+        <p:blipFill>
+          <a:blip r:embed="rId2"/>
+          <a:stretch>
+            <a:fillRect/>
+          </a:stretch>
+        </p:blipFill>
+        <p:spPr>
+          <a:xfrm>
+            <a:off x="658467" y="517583"/>
+            <a:ext cx="3261662" cy="5822833"/>
           </a:xfrm>
           <a:prstGeom prst="rect">
             <a:avLst/>
           </a:prstGeom>
-          <a:noFill/>
-        </p:spPr>
-        <p:txBody>
-          <a:bodyPr wrap="square" rtlCol="0">
-            <a:spAutoFit/>
-          </a:bodyPr>
-          <a:lstStyle/>
-          <a:p>
-            <a:pPr algn="ctr"/>
-            <a:r>
-              <a:rPr lang="en-US" sz="4200" dirty="0"/>
-              <a:t>Start with the diary entries</a:t>
-            </a:r>
-          </a:p>
-        </p:txBody>
-      </p:sp>
+        </p:spPr>
+      </p:pic>
     </p:spTree>
     <p:extLst>
       <p:ext uri="{BB962C8B-B14F-4D97-AF65-F5344CB8AC3E}">
-        <p14:creationId xmlns:p14="http://schemas.microsoft.com/office/powerpoint/2010/main" val="2629510436"/>
+        <p14:creationId xmlns:p14="http://schemas.microsoft.com/office/powerpoint/2010/main" val="404302387"/>
       </p:ext>
     </p:extLst>
   </p:cSld>
@@ -5437,7 +5244,7 @@
         </p:nvSpPr>
         <p:spPr>
           <a:xfrm>
-            <a:off x="643466" y="804333"/>
+            <a:off x="635497" y="622844"/>
             <a:ext cx="10921005" cy="1567177"/>
           </a:xfrm>
           <a:prstGeom prst="rect">
@@ -5481,205 +5288,10 @@
                 <a:ea typeface="+mj-ea"/>
                 <a:cs typeface="+mj-cs"/>
               </a:rPr>
-              <a:t>How to organize the data</a:t>
-            </a:r>
-          </a:p>
-        </p:txBody>
-      </p:sp>
-      <p:sp>
-        <p:nvSpPr>
-          <p:cNvPr id="2" name="TextBox 1">
-            <a:extLst>
-              <a:ext uri="{FF2B5EF4-FFF2-40B4-BE49-F238E27FC236}">
-                <a16:creationId xmlns:a16="http://schemas.microsoft.com/office/drawing/2014/main" id="{EAF09FE4-F0A1-6B4E-B212-AE1CD1A3A36F}"/>
-              </a:ext>
-            </a:extLst>
-          </p:cNvPr>
-          <p:cNvSpPr txBox="1"/>
-          <p:nvPr/>
-        </p:nvSpPr>
-        <p:spPr>
-          <a:xfrm>
-            <a:off x="2230220" y="2778680"/>
-            <a:ext cx="9334251" cy="3415622"/>
-          </a:xfrm>
-          <a:prstGeom prst="rect">
-            <a:avLst/>
-          </a:prstGeom>
-        </p:spPr>
-        <p:txBody>
-          <a:bodyPr vert="horz" lIns="91440" tIns="45720" rIns="91440" bIns="45720" rtlCol="0">
-            <a:normAutofit/>
-          </a:bodyPr>
-          <a:lstStyle/>
-          <a:p>
-            <a:pPr defTabSz="914400">
-              <a:spcBef>
-                <a:spcPts val="1000"/>
-              </a:spcBef>
-              <a:buClr>
-                <a:schemeClr val="accent2"/>
-              </a:buClr>
-            </a:pPr>
-            <a:endParaRPr lang="en-US" sz="2800" dirty="0">
-              <a:solidFill>
-                <a:schemeClr val="bg1"/>
-              </a:solidFill>
-            </a:endParaRPr>
-          </a:p>
-          <a:p>
-            <a:pPr indent="-228600" defTabSz="914400">
-              <a:spcBef>
-                <a:spcPts val="1000"/>
-              </a:spcBef>
-              <a:buClr>
-                <a:schemeClr val="accent2"/>
-              </a:buClr>
-              <a:buFont typeface="Arial" panose="020B0604020202020204" pitchFamily="34" charset="0"/>
-              <a:buChar char="•"/>
-            </a:pPr>
-            <a:r>
-              <a:rPr lang="en-US" sz="2800" dirty="0"/>
-              <a:t>Figure out what type of data I need to collect</a:t>
-            </a:r>
-          </a:p>
-          <a:p>
-            <a:pPr indent="-228600" defTabSz="914400">
-              <a:spcBef>
-                <a:spcPts val="1000"/>
-              </a:spcBef>
-              <a:buClr>
-                <a:schemeClr val="accent2"/>
-              </a:buClr>
-              <a:buFont typeface="Arial" panose="020B0604020202020204" pitchFamily="34" charset="0"/>
-              <a:buChar char="•"/>
-            </a:pPr>
-            <a:r>
-              <a:rPr lang="en-US" sz="2800" dirty="0"/>
-              <a:t>Need to play around with how I want to organize the data</a:t>
-            </a:r>
-          </a:p>
-          <a:p>
-            <a:pPr indent="-228600" defTabSz="914400">
-              <a:spcBef>
-                <a:spcPts val="1000"/>
-              </a:spcBef>
-              <a:buClr>
-                <a:schemeClr val="accent2"/>
-              </a:buClr>
-              <a:buFont typeface="Arial" panose="020B0604020202020204" pitchFamily="34" charset="0"/>
-              <a:buChar char="•"/>
-            </a:pPr>
-            <a:r>
-              <a:rPr lang="en-US" sz="2800" dirty="0"/>
-              <a:t>What type of functions will I need?</a:t>
-            </a:r>
-          </a:p>
-          <a:p>
-            <a:pPr indent="-228600" defTabSz="914400">
-              <a:spcBef>
-                <a:spcPts val="1000"/>
-              </a:spcBef>
-              <a:buClr>
-                <a:schemeClr val="accent2"/>
-              </a:buClr>
-              <a:buFont typeface="Arial" panose="020B0604020202020204" pitchFamily="34" charset="0"/>
-              <a:buChar char="•"/>
-            </a:pPr>
-            <a:endParaRPr lang="en-US" sz="2800" dirty="0">
-              <a:solidFill>
-                <a:schemeClr val="bg1"/>
-              </a:solidFill>
-            </a:endParaRPr>
-          </a:p>
-        </p:txBody>
-      </p:sp>
-    </p:spTree>
-    <p:extLst>
-      <p:ext uri="{BB962C8B-B14F-4D97-AF65-F5344CB8AC3E}">
-        <p14:creationId xmlns:p14="http://schemas.microsoft.com/office/powerpoint/2010/main" val="3776395063"/>
-      </p:ext>
-    </p:extLst>
-  </p:cSld>
-  <p:clrMapOvr>
-    <a:masterClrMapping/>
-  </p:clrMapOvr>
-</p:sld>
-</file>
-
-<file path=ppt/slides/slide8.xml><?xml version="1.0" encoding="utf-8"?>
-<p:sld xmlns:a="http://schemas.openxmlformats.org/drawingml/2006/main" xmlns:r="http://schemas.openxmlformats.org/officeDocument/2006/relationships" xmlns:p="http://schemas.openxmlformats.org/presentationml/2006/main">
-  <p:cSld>
-    <p:bg>
-      <p:bgPr>
-        <a:solidFill>
-          <a:srgbClr val="216F60"/>
-        </a:solidFill>
-        <a:effectLst/>
-      </p:bgPr>
-    </p:bg>
-    <p:spTree>
-      <p:nvGrpSpPr>
-        <p:cNvPr id="1" name=""/>
-        <p:cNvGrpSpPr/>
-        <p:nvPr/>
-      </p:nvGrpSpPr>
-      <p:grpSpPr>
-        <a:xfrm>
-          <a:off x="0" y="0"/>
-          <a:ext cx="0" cy="0"/>
-          <a:chOff x="0" y="0"/>
-          <a:chExt cx="0" cy="0"/>
-        </a:xfrm>
-      </p:grpSpPr>
-      <p:sp>
-        <p:nvSpPr>
-          <p:cNvPr id="4" name="TextBox 3">
-            <a:extLst>
-              <a:ext uri="{FF2B5EF4-FFF2-40B4-BE49-F238E27FC236}">
-                <a16:creationId xmlns:a16="http://schemas.microsoft.com/office/drawing/2014/main" id="{E84CF838-D3AA-6F49-B981-F12736D7BDD1}"/>
-              </a:ext>
-            </a:extLst>
-          </p:cNvPr>
-          <p:cNvSpPr txBox="1"/>
-          <p:nvPr/>
-        </p:nvSpPr>
-        <p:spPr>
-          <a:xfrm>
-            <a:off x="635497" y="622844"/>
-            <a:ext cx="10921005" cy="1567177"/>
-          </a:xfrm>
-          <a:prstGeom prst="rect">
-            <a:avLst/>
-          </a:prstGeom>
-          <a:solidFill>
-            <a:srgbClr val="EDDDBA"/>
-          </a:solidFill>
-          <a:ln>
-            <a:solidFill>
-              <a:schemeClr val="bg1"/>
-            </a:solidFill>
-          </a:ln>
-        </p:spPr>
-        <p:txBody>
-          <a:bodyPr vert="horz" wrap="square" lIns="182880" tIns="182880" rIns="182880" bIns="182880" rtlCol="0" anchor="ctr">
-            <a:normAutofit/>
-          </a:bodyPr>
-          <a:lstStyle/>
-          <a:p>
-            <a:pPr algn="ctr" defTabSz="914400">
-              <a:lnSpc>
-                <a:spcPct val="90000"/>
-              </a:lnSpc>
-              <a:spcBef>
-                <a:spcPct val="0"/>
-              </a:spcBef>
-              <a:spcAft>
-                <a:spcPts val="600"/>
-              </a:spcAft>
-            </a:pPr>
-            <a:r>
-              <a:rPr lang="en-US" sz="2800" cap="all" spc="200" dirty="0">
+              <a:t>Work on file structure using </a:t>
+            </a:r>
+            <a:r>
+              <a:rPr lang="en-US" sz="2800" cap="all" spc="200" dirty="0" err="1">
                 <a:solidFill>
                   <a:schemeClr val="bg1">
                     <a:lumMod val="95000"/>
@@ -5690,8 +5302,19 @@
                 <a:ea typeface="+mj-ea"/>
                 <a:cs typeface="+mj-cs"/>
               </a:rPr>
-              <a:t>Work on file structure</a:t>
-            </a:r>
+              <a:t>filemanager</a:t>
+            </a:r>
+            <a:endParaRPr lang="en-US" sz="2800" cap="all" spc="200" dirty="0">
+              <a:solidFill>
+                <a:schemeClr val="bg1">
+                  <a:lumMod val="95000"/>
+                  <a:lumOff val="5000"/>
+                </a:schemeClr>
+              </a:solidFill>
+              <a:latin typeface="+mj-lt"/>
+              <a:ea typeface="+mj-ea"/>
+              <a:cs typeface="+mj-cs"/>
+            </a:endParaRPr>
           </a:p>
         </p:txBody>
       </p:sp>
@@ -6420,7 +6043,7 @@
 </p:sld>
 </file>
 
-<file path=ppt/slides/slide9.xml><?xml version="1.0" encoding="utf-8"?>
+<file path=ppt/slides/slide8.xml><?xml version="1.0" encoding="utf-8"?>
 <p:sld xmlns:a="http://schemas.openxmlformats.org/drawingml/2006/main" xmlns:r="http://schemas.openxmlformats.org/officeDocument/2006/relationships" xmlns:p="http://schemas.openxmlformats.org/presentationml/2006/main">
   <p:cSld>
     <p:bg>
@@ -6449,7 +6072,7 @@
       </p:grpSpPr>
       <p:sp useBgFill="1">
         <p:nvSpPr>
-          <p:cNvPr id="22" name="Rectangle 15">
+          <p:cNvPr id="11" name="Rectangle 10">
             <a:extLst>
               <a:ext uri="{FF2B5EF4-FFF2-40B4-BE49-F238E27FC236}">
                 <a16:creationId xmlns:a16="http://schemas.microsoft.com/office/drawing/2014/main" id="{1660E788-AFA9-4A1B-9991-6AA74632A15B}"/>
@@ -6472,7 +6095,7 @@
         </p:nvSpPr>
         <p:spPr>
           <a:xfrm>
-            <a:off x="0" y="0"/>
+            <a:off x="1" y="0"/>
             <a:ext cx="12191999" cy="6858000"/>
           </a:xfrm>
           <a:prstGeom prst="rect">
@@ -6509,7 +6132,7 @@
       </p:sp>
       <p:sp>
         <p:nvSpPr>
-          <p:cNvPr id="23" name="Rectangle 17">
+          <p:cNvPr id="13" name="Rectangle 12">
             <a:extLst>
               <a:ext uri="{FF2B5EF4-FFF2-40B4-BE49-F238E27FC236}">
                 <a16:creationId xmlns:a16="http://schemas.microsoft.com/office/drawing/2014/main" id="{867D4867-5BA7-4462-B2F6-A23F4A622AA7}"/>
@@ -6532,8 +6155,8 @@
         </p:nvSpPr>
         <p:spPr>
           <a:xfrm>
-            <a:off x="-1" y="0"/>
-            <a:ext cx="7544653" cy="6858000"/>
+            <a:off x="7537704" y="0"/>
+            <a:ext cx="4654296" cy="6858000"/>
           </a:xfrm>
           <a:prstGeom prst="rect">
             <a:avLst/>
@@ -6582,15 +6205,13 @@
         </p:nvSpPr>
         <p:spPr>
           <a:xfrm>
-            <a:off x="643466" y="643467"/>
-            <a:ext cx="6242719" cy="1728044"/>
+            <a:off x="8184559" y="643467"/>
+            <a:ext cx="3363974" cy="1728044"/>
           </a:xfrm>
           <a:prstGeom prst="rect">
             <a:avLst/>
           </a:prstGeom>
-          <a:solidFill>
-            <a:srgbClr val="216F60"/>
-          </a:solidFill>
+          <a:noFill/>
           <a:ln>
             <a:solidFill>
               <a:schemeClr val="bg1"/>
@@ -6617,13 +6238,111 @@
             <a:r>
               <a:rPr lang="en-US" sz="2800" cap="all" spc="200" dirty="0">
                 <a:solidFill>
-                  <a:srgbClr val="EDDDBA"/>
+                  <a:schemeClr val="bg1"/>
                 </a:solidFill>
                 <a:latin typeface="+mj-lt"/>
                 <a:ea typeface="+mj-ea"/>
                 <a:cs typeface="+mj-cs"/>
               </a:rPr>
-              <a:t>Read, Write, and Delete data</a:t>
+              <a:t>Step 1</a:t>
+            </a:r>
+          </a:p>
+        </p:txBody>
+      </p:sp>
+      <p:pic>
+        <p:nvPicPr>
+          <p:cNvPr id="6" name="Picture 5" descr="Graphical user interface, application&#10;&#10;Description automatically generated">
+            <a:extLst>
+              <a:ext uri="{FF2B5EF4-FFF2-40B4-BE49-F238E27FC236}">
+                <a16:creationId xmlns:a16="http://schemas.microsoft.com/office/drawing/2014/main" id="{98CB1172-3332-8540-A0E9-F7580C45CA8B}"/>
+              </a:ext>
+            </a:extLst>
+          </p:cNvPr>
+          <p:cNvPicPr>
+            <a:picLocks noChangeAspect="1"/>
+          </p:cNvPicPr>
+          <p:nvPr/>
+        </p:nvPicPr>
+        <p:blipFill>
+          <a:blip r:embed="rId2"/>
+          <a:stretch>
+            <a:fillRect/>
+          </a:stretch>
+        </p:blipFill>
+        <p:spPr>
+          <a:xfrm>
+            <a:off x="2210681" y="80562"/>
+            <a:ext cx="3664825" cy="6696875"/>
+          </a:xfrm>
+          <a:prstGeom prst="rect">
+            <a:avLst/>
+          </a:prstGeom>
+        </p:spPr>
+      </p:pic>
+      <p:sp>
+        <p:nvSpPr>
+          <p:cNvPr id="3" name="TextBox 2">
+            <a:extLst>
+              <a:ext uri="{FF2B5EF4-FFF2-40B4-BE49-F238E27FC236}">
+                <a16:creationId xmlns:a16="http://schemas.microsoft.com/office/drawing/2014/main" id="{15D99FEB-88FB-D340-AC19-FB75F8A11492}"/>
+              </a:ext>
+            </a:extLst>
+          </p:cNvPr>
+          <p:cNvSpPr txBox="1"/>
+          <p:nvPr/>
+        </p:nvSpPr>
+        <p:spPr>
+          <a:xfrm>
+            <a:off x="8184558" y="2638044"/>
+            <a:ext cx="3363974" cy="3415622"/>
+          </a:xfrm>
+          <a:prstGeom prst="rect">
+            <a:avLst/>
+          </a:prstGeom>
+        </p:spPr>
+        <p:txBody>
+          <a:bodyPr vert="horz" lIns="91440" tIns="45720" rIns="91440" bIns="45720" rtlCol="0">
+            <a:normAutofit/>
+          </a:bodyPr>
+          <a:lstStyle/>
+          <a:p>
+            <a:pPr indent="-228600" defTabSz="914400">
+              <a:spcBef>
+                <a:spcPts val="1000"/>
+              </a:spcBef>
+              <a:buClr>
+                <a:schemeClr val="accent2"/>
+              </a:buClr>
+              <a:buFont typeface="Arial" panose="020B0604020202020204" pitchFamily="34" charset="0"/>
+              <a:buChar char="•"/>
+            </a:pPr>
+            <a:r>
+              <a:rPr lang="en-US" sz="3200" dirty="0">
+                <a:solidFill>
+                  <a:schemeClr val="bg1"/>
+                </a:solidFill>
+              </a:rPr>
+              <a:t>Set up “accounts”</a:t>
+            </a:r>
+          </a:p>
+          <a:p>
+            <a:pPr indent="-228600" defTabSz="914400">
+              <a:spcBef>
+                <a:spcPts val="1000"/>
+              </a:spcBef>
+              <a:buClr>
+                <a:schemeClr val="accent2"/>
+              </a:buClr>
+              <a:buFont typeface="Arial" panose="020B0604020202020204" pitchFamily="34" charset="0"/>
+              <a:buChar char="•"/>
+            </a:pPr>
+            <a:r>
+              <a:rPr lang="en-US" sz="3200" dirty="0">
+                <a:solidFill>
+                  <a:schemeClr val="bg1"/>
+                </a:solidFill>
+              </a:rPr>
+              <a:t>Create / Delete users</a:t>
             </a:r>
           </a:p>
         </p:txBody>
@@ -6642,8 +6361,8 @@
         </p:nvSpPr>
         <p:spPr>
           <a:xfrm>
-            <a:off x="643467" y="2638044"/>
-            <a:ext cx="6242715" cy="3415622"/>
+            <a:off x="2857749" y="2512145"/>
+            <a:ext cx="9334251" cy="3415622"/>
           </a:xfrm>
           <a:prstGeom prst="rect">
             <a:avLst/>
@@ -6654,6 +6373,21 @@
             <a:normAutofit/>
           </a:bodyPr>
           <a:lstStyle/>
+          <a:p>
+            <a:pPr defTabSz="914400">
+              <a:spcBef>
+                <a:spcPts val="1000"/>
+              </a:spcBef>
+              <a:buClr>
+                <a:schemeClr val="accent2"/>
+              </a:buClr>
+            </a:pPr>
+            <a:endParaRPr lang="en-US" sz="2800" dirty="0">
+              <a:solidFill>
+                <a:schemeClr val="bg1"/>
+              </a:solidFill>
+            </a:endParaRPr>
+          </a:p>
           <a:p>
             <a:pPr indent="-228600" defTabSz="914400">
               <a:spcBef>
@@ -6671,118 +6405,288 @@
               </a:solidFill>
             </a:endParaRPr>
           </a:p>
-          <a:p>
-            <a:pPr indent="-228600" defTabSz="914400">
+        </p:txBody>
+      </p:sp>
+    </p:spTree>
+    <p:extLst>
+      <p:ext uri="{BB962C8B-B14F-4D97-AF65-F5344CB8AC3E}">
+        <p14:creationId xmlns:p14="http://schemas.microsoft.com/office/powerpoint/2010/main" val="2629510436"/>
+      </p:ext>
+    </p:extLst>
+  </p:cSld>
+  <p:clrMapOvr>
+    <a:masterClrMapping/>
+  </p:clrMapOvr>
+</p:sld>
+</file>
+
+<file path=ppt/slides/slide9.xml><?xml version="1.0" encoding="utf-8"?>
+<p:sld xmlns:a="http://schemas.openxmlformats.org/drawingml/2006/main" xmlns:r="http://schemas.openxmlformats.org/officeDocument/2006/relationships" xmlns:p="http://schemas.openxmlformats.org/presentationml/2006/main">
+  <p:cSld>
+    <p:bg>
+      <p:bgPr>
+        <a:solidFill>
+          <a:srgbClr val="216F60"/>
+        </a:solidFill>
+        <a:effectLst/>
+      </p:bgPr>
+    </p:bg>
+    <p:spTree>
+      <p:nvGrpSpPr>
+        <p:cNvPr id="1" name=""/>
+        <p:cNvGrpSpPr/>
+        <p:nvPr/>
+      </p:nvGrpSpPr>
+      <p:grpSpPr>
+        <a:xfrm>
+          <a:off x="0" y="0"/>
+          <a:ext cx="0" cy="0"/>
+          <a:chOff x="0" y="0"/>
+          <a:chExt cx="0" cy="0"/>
+        </a:xfrm>
+      </p:grpSpPr>
+      <p:sp>
+        <p:nvSpPr>
+          <p:cNvPr id="4" name="TextBox 3">
+            <a:extLst>
+              <a:ext uri="{FF2B5EF4-FFF2-40B4-BE49-F238E27FC236}">
+                <a16:creationId xmlns:a16="http://schemas.microsoft.com/office/drawing/2014/main" id="{E84CF838-D3AA-6F49-B981-F12736D7BDD1}"/>
+              </a:ext>
+            </a:extLst>
+          </p:cNvPr>
+          <p:cNvSpPr txBox="1"/>
+          <p:nvPr/>
+        </p:nvSpPr>
+        <p:spPr>
+          <a:xfrm>
+            <a:off x="643466" y="930233"/>
+            <a:ext cx="10921005" cy="1567177"/>
+          </a:xfrm>
+          <a:prstGeom prst="rect">
+            <a:avLst/>
+          </a:prstGeom>
+          <a:solidFill>
+            <a:srgbClr val="EDDDBA"/>
+          </a:solidFill>
+          <a:ln>
+            <a:solidFill>
+              <a:schemeClr val="bg1"/>
+            </a:solidFill>
+          </a:ln>
+        </p:spPr>
+        <p:txBody>
+          <a:bodyPr vert="horz" wrap="square" lIns="182880" tIns="182880" rIns="182880" bIns="182880" rtlCol="0" anchor="ctr">
+            <a:normAutofit/>
+          </a:bodyPr>
+          <a:lstStyle/>
+          <a:p>
+            <a:pPr marL="0" marR="0" lvl="0" indent="0" algn="ctr" defTabSz="914400" rtl="0" eaLnBrk="1" fontAlgn="auto" latinLnBrk="0" hangingPunct="1">
+              <a:lnSpc>
+                <a:spcPct val="90000"/>
+              </a:lnSpc>
+              <a:spcBef>
+                <a:spcPct val="0"/>
+              </a:spcBef>
+              <a:spcAft>
+                <a:spcPts val="600"/>
+              </a:spcAft>
+              <a:buClrTx/>
+              <a:buSzTx/>
+              <a:buFontTx/>
+              <a:buNone/>
+              <a:tabLst/>
+              <a:defRPr/>
+            </a:pPr>
+            <a:r>
+              <a:rPr kumimoji="0" lang="en-US" sz="2800" b="0" i="0" u="none" strike="noStrike" kern="1200" cap="all" spc="200" normalizeH="0" baseline="0" noProof="0" dirty="0">
+                <a:ln>
+                  <a:noFill/>
+                </a:ln>
+                <a:solidFill>
+                  <a:srgbClr val="000000">
+                    <a:lumMod val="95000"/>
+                    <a:lumOff val="5000"/>
+                  </a:srgbClr>
+                </a:solidFill>
+                <a:effectLst/>
+                <a:uLnTx/>
+                <a:uFillTx/>
+                <a:latin typeface="Gill Sans MT" panose="020B0502020104020203"/>
+                <a:ea typeface="+mn-ea"/>
+                <a:cs typeface="+mn-cs"/>
+              </a:rPr>
+              <a:t>STEP 2</a:t>
+            </a:r>
+          </a:p>
+        </p:txBody>
+      </p:sp>
+      <p:sp>
+        <p:nvSpPr>
+          <p:cNvPr id="2" name="TextBox 1">
+            <a:extLst>
+              <a:ext uri="{FF2B5EF4-FFF2-40B4-BE49-F238E27FC236}">
+                <a16:creationId xmlns:a16="http://schemas.microsoft.com/office/drawing/2014/main" id="{EAF09FE4-F0A1-6B4E-B212-AE1CD1A3A36F}"/>
+              </a:ext>
+            </a:extLst>
+          </p:cNvPr>
+          <p:cNvSpPr txBox="1"/>
+          <p:nvPr/>
+        </p:nvSpPr>
+        <p:spPr>
+          <a:xfrm>
+            <a:off x="2230220" y="2497410"/>
+            <a:ext cx="9334251" cy="3415622"/>
+          </a:xfrm>
+          <a:prstGeom prst="rect">
+            <a:avLst/>
+          </a:prstGeom>
+        </p:spPr>
+        <p:txBody>
+          <a:bodyPr vert="horz" lIns="91440" tIns="45720" rIns="91440" bIns="45720" rtlCol="0">
+            <a:normAutofit/>
+          </a:bodyPr>
+          <a:lstStyle/>
+          <a:p>
+            <a:pPr marL="0" marR="0" lvl="0" indent="0" algn="l" defTabSz="914400" rtl="0" eaLnBrk="1" fontAlgn="auto" latinLnBrk="0" hangingPunct="1">
+              <a:lnSpc>
+                <a:spcPct val="100000"/>
+              </a:lnSpc>
               <a:spcBef>
                 <a:spcPts val="1000"/>
               </a:spcBef>
+              <a:spcAft>
+                <a:spcPts val="0"/>
+              </a:spcAft>
               <a:buClr>
-                <a:schemeClr val="accent2"/>
+                <a:srgbClr val="9BAFB5"/>
               </a:buClr>
-              <a:buFont typeface="Arial" panose="020B0604020202020204" pitchFamily="34" charset="0"/>
-              <a:buChar char="•"/>
+              <a:buSzTx/>
+              <a:buFontTx/>
+              <a:buNone/>
+              <a:tabLst/>
+              <a:defRPr/>
             </a:pPr>
-            <a:r>
-              <a:rPr lang="en-US" sz="2800" dirty="0">
-                <a:solidFill>
-                  <a:schemeClr val="bg1"/>
-                </a:solidFill>
-              </a:rPr>
-              <a:t>Learn and use Apple’s </a:t>
-            </a:r>
-            <a:r>
-              <a:rPr lang="en-US" sz="2800" dirty="0" err="1">
-                <a:solidFill>
-                  <a:schemeClr val="bg1"/>
-                </a:solidFill>
-              </a:rPr>
-              <a:t>FileManager</a:t>
-            </a:r>
-            <a:r>
-              <a:rPr lang="en-US" sz="2800" dirty="0">
-                <a:solidFill>
-                  <a:schemeClr val="bg1"/>
-                </a:solidFill>
-              </a:rPr>
-              <a:t> to read, write, and delete text files</a:t>
-            </a:r>
-          </a:p>
-          <a:p>
-            <a:pPr indent="-228600" defTabSz="914400">
+            <a:endParaRPr kumimoji="0" lang="en-US" sz="2800" b="0" i="0" u="none" strike="noStrike" kern="1200" cap="none" spc="0" normalizeH="0" baseline="0" noProof="0" dirty="0">
+              <a:ln>
+                <a:noFill/>
+              </a:ln>
+              <a:solidFill>
+                <a:srgbClr val="000000"/>
+              </a:solidFill>
+              <a:effectLst/>
+              <a:uLnTx/>
+              <a:uFillTx/>
+              <a:latin typeface="Gill Sans MT" panose="020B0502020104020203"/>
+              <a:ea typeface="+mn-ea"/>
+              <a:cs typeface="+mn-cs"/>
+            </a:endParaRPr>
+          </a:p>
+          <a:p>
+            <a:pPr marL="0" marR="0" lvl="0" indent="-228600" algn="l" defTabSz="914400" rtl="0" eaLnBrk="1" fontAlgn="auto" latinLnBrk="0" hangingPunct="1">
+              <a:lnSpc>
+                <a:spcPct val="100000"/>
+              </a:lnSpc>
               <a:spcBef>
                 <a:spcPts val="1000"/>
               </a:spcBef>
+              <a:spcAft>
+                <a:spcPts val="0"/>
+              </a:spcAft>
               <a:buClr>
-                <a:schemeClr val="accent2"/>
+                <a:srgbClr val="9BAFB5"/>
               </a:buClr>
+              <a:buSzTx/>
               <a:buFont typeface="Arial" panose="020B0604020202020204" pitchFamily="34" charset="0"/>
               <a:buChar char="•"/>
+              <a:tabLst/>
+              <a:defRPr/>
             </a:pPr>
-            <a:r>
-              <a:rPr lang="en-US" sz="2800" dirty="0">
-                <a:solidFill>
-                  <a:schemeClr val="bg1"/>
-                </a:solidFill>
-              </a:rPr>
-              <a:t>Simulate data storage</a:t>
-            </a:r>
-          </a:p>
-          <a:p>
-            <a:pPr indent="-228600" defTabSz="914400">
-              <a:spcBef>
-                <a:spcPts val="1000"/>
-              </a:spcBef>
-              <a:buClr>
-                <a:schemeClr val="accent2"/>
-              </a:buClr>
-              <a:buFont typeface="Arial" panose="020B0604020202020204" pitchFamily="34" charset="0"/>
-              <a:buChar char="•"/>
-            </a:pPr>
-            <a:r>
-              <a:rPr lang="en-US" sz="2800" dirty="0">
-                <a:solidFill>
-                  <a:schemeClr val="bg1"/>
-                </a:solidFill>
-              </a:rPr>
-              <a:t>All saved in the documents folder on my computer. </a:t>
-            </a:r>
-          </a:p>
-        </p:txBody>
-      </p:sp>
-      <p:pic>
-        <p:nvPicPr>
-          <p:cNvPr id="5" name="Picture 4" descr="Text&#10;&#10;Description automatically generated">
+            <a:endParaRPr kumimoji="0" lang="en-US" sz="2800" b="0" i="0" u="none" strike="noStrike" kern="1200" cap="none" spc="0" normalizeH="0" baseline="0" noProof="0" dirty="0">
+              <a:ln>
+                <a:noFill/>
+              </a:ln>
+              <a:solidFill>
+                <a:srgbClr val="000000"/>
+              </a:solidFill>
+              <a:effectLst/>
+              <a:uLnTx/>
+              <a:uFillTx/>
+              <a:latin typeface="Gill Sans MT" panose="020B0502020104020203"/>
+              <a:ea typeface="+mn-ea"/>
+              <a:cs typeface="+mn-cs"/>
+            </a:endParaRPr>
+          </a:p>
+        </p:txBody>
+      </p:sp>
+      <p:sp>
+        <p:nvSpPr>
+          <p:cNvPr id="3" name="TextBox 2">
             <a:extLst>
               <a:ext uri="{FF2B5EF4-FFF2-40B4-BE49-F238E27FC236}">
-                <a16:creationId xmlns:a16="http://schemas.microsoft.com/office/drawing/2014/main" id="{55E3E519-5DC3-4149-839D-4E2C2C5A563B}"/>
+                <a16:creationId xmlns:a16="http://schemas.microsoft.com/office/drawing/2014/main" id="{15D99FEB-88FB-D340-AC19-FB75F8A11492}"/>
               </a:ext>
             </a:extLst>
           </p:cNvPr>
-          <p:cNvPicPr>
-            <a:picLocks noChangeAspect="1"/>
-          </p:cNvPicPr>
+          <p:cNvSpPr txBox="1"/>
           <p:nvPr/>
-        </p:nvPicPr>
-        <p:blipFill>
-          <a:blip r:embed="rId2"/>
-          <a:stretch>
-            <a:fillRect/>
-          </a:stretch>
-        </p:blipFill>
-        <p:spPr>
-          <a:xfrm>
-            <a:off x="8353160" y="623485"/>
-            <a:ext cx="2962082" cy="5410199"/>
+        </p:nvSpPr>
+        <p:spPr>
+          <a:xfrm>
+            <a:off x="2102223" y="3473924"/>
+            <a:ext cx="7987553" cy="738664"/>
           </a:xfrm>
           <a:prstGeom prst="rect">
             <a:avLst/>
           </a:prstGeom>
-        </p:spPr>
-      </p:pic>
+          <a:noFill/>
+        </p:spPr>
+        <p:txBody>
+          <a:bodyPr wrap="square" rtlCol="0">
+            <a:spAutoFit/>
+          </a:bodyPr>
+          <a:lstStyle/>
+          <a:p>
+            <a:pPr marL="0" marR="0" lvl="0" indent="0" algn="ctr" defTabSz="457200" rtl="0" eaLnBrk="1" fontAlgn="auto" latinLnBrk="0" hangingPunct="1">
+              <a:lnSpc>
+                <a:spcPct val="100000"/>
+              </a:lnSpc>
+              <a:spcBef>
+                <a:spcPts val="0"/>
+              </a:spcBef>
+              <a:spcAft>
+                <a:spcPts val="0"/>
+              </a:spcAft>
+              <a:buClrTx/>
+              <a:buSzTx/>
+              <a:buFontTx/>
+              <a:buNone/>
+              <a:tabLst/>
+              <a:defRPr/>
+            </a:pPr>
+            <a:r>
+              <a:rPr kumimoji="0" lang="en-US" sz="4200" b="0" i="0" u="none" strike="noStrike" kern="1200" cap="none" spc="0" normalizeH="0" baseline="0" noProof="0" dirty="0">
+                <a:ln>
+                  <a:noFill/>
+                </a:ln>
+                <a:solidFill>
+                  <a:srgbClr val="FFFFFF"/>
+                </a:solidFill>
+                <a:effectLst/>
+                <a:uLnTx/>
+                <a:uFillTx/>
+                <a:latin typeface="Gill Sans MT" panose="020B0502020104020203"/>
+                <a:ea typeface="+mn-ea"/>
+                <a:cs typeface="+mn-cs"/>
+              </a:rPr>
+              <a:t>Start with the diary entries pages</a:t>
+            </a:r>
+          </a:p>
+        </p:txBody>
+      </p:sp>
     </p:spTree>
     <p:extLst>
       <p:ext uri="{BB962C8B-B14F-4D97-AF65-F5344CB8AC3E}">
-        <p14:creationId xmlns:p14="http://schemas.microsoft.com/office/powerpoint/2010/main" val="526096255"/>
+        <p14:creationId xmlns:p14="http://schemas.microsoft.com/office/powerpoint/2010/main" val="589763059"/>
       </p:ext>
     </p:extLst>
   </p:cSld>
@@ -7050,4 +6954,299 @@
     </a:ext>
   </a:extLst>
 </a:theme>
+</file>
+
+<file path=ppt/theme/theme2.xml><?xml version="1.0" encoding="utf-8"?>
+<a:theme xmlns:a="http://schemas.openxmlformats.org/drawingml/2006/main" name="Office Theme">
+  <a:themeElements>
+    <a:clrScheme name="Office">
+      <a:dk1>
+        <a:sysClr val="windowText" lastClr="000000"/>
+      </a:dk1>
+      <a:lt1>
+        <a:sysClr val="window" lastClr="FFFFFF"/>
+      </a:lt1>
+      <a:dk2>
+        <a:srgbClr val="44546A"/>
+      </a:dk2>
+      <a:lt2>
+        <a:srgbClr val="E7E6E6"/>
+      </a:lt2>
+      <a:accent1>
+        <a:srgbClr val="4472C4"/>
+      </a:accent1>
+      <a:accent2>
+        <a:srgbClr val="ED7D31"/>
+      </a:accent2>
+      <a:accent3>
+        <a:srgbClr val="A5A5A5"/>
+      </a:accent3>
+      <a:accent4>
+        <a:srgbClr val="FFC000"/>
+      </a:accent4>
+      <a:accent5>
+        <a:srgbClr val="5B9BD5"/>
+      </a:accent5>
+      <a:accent6>
+        <a:srgbClr val="70AD47"/>
+      </a:accent6>
+      <a:hlink>
+        <a:srgbClr val="0563C1"/>
+      </a:hlink>
+      <a:folHlink>
+        <a:srgbClr val="954F72"/>
+      </a:folHlink>
+    </a:clrScheme>
+    <a:fontScheme name="Office">
+      <a:majorFont>
+        <a:latin typeface="Calibri Light" panose="020F0302020204030204"/>
+        <a:ea typeface=""/>
+        <a:cs typeface=""/>
+        <a:font script="Jpan" typeface="游ゴシック Light"/>
+        <a:font script="Hang" typeface="맑은 고딕"/>
+        <a:font script="Hans" typeface="等线 Light"/>
+        <a:font script="Hant" typeface="新細明體"/>
+        <a:font script="Arab" typeface="Times New Roman"/>
+        <a:font script="Hebr" typeface="Times New Roman"/>
+        <a:font script="Thai" typeface="Angsana New"/>
+        <a:font script="Ethi" typeface="Nyala"/>
+        <a:font script="Beng" typeface="Vrinda"/>
+        <a:font script="Gujr" typeface="Shruti"/>
+        <a:font script="Khmr" typeface="MoolBoran"/>
+        <a:font script="Knda" typeface="Tunga"/>
+        <a:font script="Guru" typeface="Raavi"/>
+        <a:font script="Cans" typeface="Euphemia"/>
+        <a:font script="Cher" typeface="Plantagenet Cherokee"/>
+        <a:font script="Yiii" typeface="Microsoft Yi Baiti"/>
+        <a:font script="Tibt" typeface="Microsoft Himalaya"/>
+        <a:font script="Thaa" typeface="MV Boli"/>
+        <a:font script="Deva" typeface="Mangal"/>
+        <a:font script="Telu" typeface="Gautami"/>
+        <a:font script="Taml" typeface="Latha"/>
+        <a:font script="Syrc" typeface="Estrangelo Edessa"/>
+        <a:font script="Orya" typeface="Kalinga"/>
+        <a:font script="Mlym" typeface="Kartika"/>
+        <a:font script="Laoo" typeface="DokChampa"/>
+        <a:font script="Sinh" typeface="Iskoola Pota"/>
+        <a:font script="Mong" typeface="Mongolian Baiti"/>
+        <a:font script="Viet" typeface="Times New Roman"/>
+        <a:font script="Uigh" typeface="Microsoft Uighur"/>
+        <a:font script="Geor" typeface="Sylfaen"/>
+        <a:font script="Armn" typeface="Arial"/>
+        <a:font script="Bugi" typeface="Leelawadee UI"/>
+        <a:font script="Bopo" typeface="Microsoft JhengHei"/>
+        <a:font script="Java" typeface="Javanese Text"/>
+        <a:font script="Lisu" typeface="Segoe UI"/>
+        <a:font script="Mymr" typeface="Myanmar Text"/>
+        <a:font script="Nkoo" typeface="Ebrima"/>
+        <a:font script="Olck" typeface="Nirmala UI"/>
+        <a:font script="Osma" typeface="Ebrima"/>
+        <a:font script="Phag" typeface="Phagspa"/>
+        <a:font script="Syrn" typeface="Estrangelo Edessa"/>
+        <a:font script="Syrj" typeface="Estrangelo Edessa"/>
+        <a:font script="Syre" typeface="Estrangelo Edessa"/>
+        <a:font script="Sora" typeface="Nirmala UI"/>
+        <a:font script="Tale" typeface="Microsoft Tai Le"/>
+        <a:font script="Talu" typeface="Microsoft New Tai Lue"/>
+        <a:font script="Tfng" typeface="Ebrima"/>
+      </a:majorFont>
+      <a:minorFont>
+        <a:latin typeface="Calibri" panose="020F0502020204030204"/>
+        <a:ea typeface=""/>
+        <a:cs typeface=""/>
+        <a:font script="Jpan" typeface="游ゴシック"/>
+        <a:font script="Hang" typeface="맑은 고딕"/>
+        <a:font script="Hans" typeface="等线"/>
+        <a:font script="Hant" typeface="新細明體"/>
+        <a:font script="Arab" typeface="Arial"/>
+        <a:font script="Hebr" typeface="Arial"/>
+        <a:font script="Thai" typeface="Cordia New"/>
+        <a:font script="Ethi" typeface="Nyala"/>
+        <a:font script="Beng" typeface="Vrinda"/>
+        <a:font script="Gujr" typeface="Shruti"/>
+        <a:font script="Khmr" typeface="DaunPenh"/>
+        <a:font script="Knda" typeface="Tunga"/>
+        <a:font script="Guru" typeface="Raavi"/>
+        <a:font script="Cans" typeface="Euphemia"/>
+        <a:font script="Cher" typeface="Plantagenet Cherokee"/>
+        <a:font script="Yiii" typeface="Microsoft Yi Baiti"/>
+        <a:font script="Tibt" typeface="Microsoft Himalaya"/>
+        <a:font script="Thaa" typeface="MV Boli"/>
+        <a:font script="Deva" typeface="Mangal"/>
+        <a:font script="Telu" typeface="Gautami"/>
+        <a:font script="Taml" typeface="Latha"/>
+        <a:font script="Syrc" typeface="Estrangelo Edessa"/>
+        <a:font script="Orya" typeface="Kalinga"/>
+        <a:font script="Mlym" typeface="Kartika"/>
+        <a:font script="Laoo" typeface="DokChampa"/>
+        <a:font script="Sinh" typeface="Iskoola Pota"/>
+        <a:font script="Mong" typeface="Mongolian Baiti"/>
+        <a:font script="Viet" typeface="Arial"/>
+        <a:font script="Uigh" typeface="Microsoft Uighur"/>
+        <a:font script="Geor" typeface="Sylfaen"/>
+        <a:font script="Armn" typeface="Arial"/>
+        <a:font script="Bugi" typeface="Leelawadee UI"/>
+        <a:font script="Bopo" typeface="Microsoft JhengHei"/>
+        <a:font script="Java" typeface="Javanese Text"/>
+        <a:font script="Lisu" typeface="Segoe UI"/>
+        <a:font script="Mymr" typeface="Myanmar Text"/>
+        <a:font script="Nkoo" typeface="Ebrima"/>
+        <a:font script="Olck" typeface="Nirmala UI"/>
+        <a:font script="Osma" typeface="Ebrima"/>
+        <a:font script="Phag" typeface="Phagspa"/>
+        <a:font script="Syrn" typeface="Estrangelo Edessa"/>
+        <a:font script="Syrj" typeface="Estrangelo Edessa"/>
+        <a:font script="Syre" typeface="Estrangelo Edessa"/>
+        <a:font script="Sora" typeface="Nirmala UI"/>
+        <a:font script="Tale" typeface="Microsoft Tai Le"/>
+        <a:font script="Talu" typeface="Microsoft New Tai Lue"/>
+        <a:font script="Tfng" typeface="Ebrima"/>
+      </a:minorFont>
+    </a:fontScheme>
+    <a:fmtScheme name="Office">
+      <a:fillStyleLst>
+        <a:solidFill>
+          <a:schemeClr val="phClr"/>
+        </a:solidFill>
+        <a:gradFill rotWithShape="1">
+          <a:gsLst>
+            <a:gs pos="0">
+              <a:schemeClr val="phClr">
+                <a:lumMod val="110000"/>
+                <a:satMod val="105000"/>
+                <a:tint val="67000"/>
+              </a:schemeClr>
+            </a:gs>
+            <a:gs pos="50000">
+              <a:schemeClr val="phClr">
+                <a:lumMod val="105000"/>
+                <a:satMod val="103000"/>
+                <a:tint val="73000"/>
+              </a:schemeClr>
+            </a:gs>
+            <a:gs pos="100000">
+              <a:schemeClr val="phClr">
+                <a:lumMod val="105000"/>
+                <a:satMod val="109000"/>
+                <a:tint val="81000"/>
+              </a:schemeClr>
+            </a:gs>
+          </a:gsLst>
+          <a:lin ang="5400000" scaled="0"/>
+        </a:gradFill>
+        <a:gradFill rotWithShape="1">
+          <a:gsLst>
+            <a:gs pos="0">
+              <a:schemeClr val="phClr">
+                <a:satMod val="103000"/>
+                <a:lumMod val="102000"/>
+                <a:tint val="94000"/>
+              </a:schemeClr>
+            </a:gs>
+            <a:gs pos="50000">
+              <a:schemeClr val="phClr">
+                <a:satMod val="110000"/>
+                <a:lumMod val="100000"/>
+                <a:shade val="100000"/>
+              </a:schemeClr>
+            </a:gs>
+            <a:gs pos="100000">
+              <a:schemeClr val="phClr">
+                <a:lumMod val="99000"/>
+                <a:satMod val="120000"/>
+                <a:shade val="78000"/>
+              </a:schemeClr>
+            </a:gs>
+          </a:gsLst>
+          <a:lin ang="5400000" scaled="0"/>
+        </a:gradFill>
+      </a:fillStyleLst>
+      <a:lnStyleLst>
+        <a:ln w="6350" cap="flat" cmpd="sng" algn="ctr">
+          <a:solidFill>
+            <a:schemeClr val="phClr"/>
+          </a:solidFill>
+          <a:prstDash val="solid"/>
+          <a:miter lim="800000"/>
+        </a:ln>
+        <a:ln w="12700" cap="flat" cmpd="sng" algn="ctr">
+          <a:solidFill>
+            <a:schemeClr val="phClr"/>
+          </a:solidFill>
+          <a:prstDash val="solid"/>
+          <a:miter lim="800000"/>
+        </a:ln>
+        <a:ln w="19050" cap="flat" cmpd="sng" algn="ctr">
+          <a:solidFill>
+            <a:schemeClr val="phClr"/>
+          </a:solidFill>
+          <a:prstDash val="solid"/>
+          <a:miter lim="800000"/>
+        </a:ln>
+      </a:lnStyleLst>
+      <a:effectStyleLst>
+        <a:effectStyle>
+          <a:effectLst/>
+        </a:effectStyle>
+        <a:effectStyle>
+          <a:effectLst/>
+        </a:effectStyle>
+        <a:effectStyle>
+          <a:effectLst>
+            <a:outerShdw blurRad="57150" dist="19050" dir="5400000" algn="ctr" rotWithShape="0">
+              <a:srgbClr val="000000">
+                <a:alpha val="63000"/>
+              </a:srgbClr>
+            </a:outerShdw>
+          </a:effectLst>
+        </a:effectStyle>
+      </a:effectStyleLst>
+      <a:bgFillStyleLst>
+        <a:solidFill>
+          <a:schemeClr val="phClr"/>
+        </a:solidFill>
+        <a:solidFill>
+          <a:schemeClr val="phClr">
+            <a:tint val="95000"/>
+            <a:satMod val="170000"/>
+          </a:schemeClr>
+        </a:solidFill>
+        <a:gradFill rotWithShape="1">
+          <a:gsLst>
+            <a:gs pos="0">
+              <a:schemeClr val="phClr">
+                <a:tint val="93000"/>
+                <a:satMod val="150000"/>
+                <a:shade val="98000"/>
+                <a:lumMod val="102000"/>
+              </a:schemeClr>
+            </a:gs>
+            <a:gs pos="50000">
+              <a:schemeClr val="phClr">
+                <a:tint val="98000"/>
+                <a:satMod val="130000"/>
+                <a:shade val="90000"/>
+                <a:lumMod val="103000"/>
+              </a:schemeClr>
+            </a:gs>
+            <a:gs pos="100000">
+              <a:schemeClr val="phClr">
+                <a:shade val="63000"/>
+                <a:satMod val="120000"/>
+              </a:schemeClr>
+            </a:gs>
+          </a:gsLst>
+          <a:lin ang="5400000" scaled="0"/>
+        </a:gradFill>
+      </a:bgFillStyleLst>
+    </a:fmtScheme>
+  </a:themeElements>
+  <a:objectDefaults/>
+  <a:extraClrSchemeLst/>
+  <a:extLst>
+    <a:ext uri="{05A4C25C-085E-4340-85A3-A5531E510DB2}">
+      <thm15:themeFamily xmlns:thm15="http://schemas.microsoft.com/office/thememl/2012/main" name="Office Theme" id="{62F939B6-93AF-4DB8-9C6B-D6C7DFDC589F}" vid="{4A3C46E8-61CC-4603-A589-7422A47A8E4A}"/>
+    </a:ext>
+  </a:extLst>
+</a:theme>
 </file>